--- a/Fuzzy/Poni - FAM/Fuzzy Associative Memory.pptx
+++ b/Fuzzy/Poni - FAM/Fuzzy Associative Memory.pptx
@@ -2,7 +2,7 @@
 <file path=ppt/presentation.xml><?xml version="1.0" encoding="utf-8"?>
 <p:presentation xmlns:a="http://schemas.openxmlformats.org/drawingml/2006/main" xmlns:r="http://schemas.openxmlformats.org/officeDocument/2006/relationships" xmlns:p="http://schemas.openxmlformats.org/presentationml/2006/main" saveSubsetFonts="1">
   <p:sldMasterIdLst>
-    <p:sldMasterId id="2147483648" r:id="rId1"/>
+    <p:sldMasterId id="2147483660" r:id="rId1"/>
   </p:sldMasterIdLst>
   <p:sldIdLst>
     <p:sldId id="256" r:id="rId2"/>
@@ -139,7 +139,7 @@
 </file>
 
 <file path=ppt/slideLayouts/slideLayout1.xml><?xml version="1.0" encoding="utf-8"?>
-<p:sldLayout xmlns:a="http://schemas.openxmlformats.org/drawingml/2006/main" xmlns:r="http://schemas.openxmlformats.org/officeDocument/2006/relationships" xmlns:p="http://schemas.openxmlformats.org/presentationml/2006/main" type="title" preserve="1">
+<p:sldLayout xmlns:a="http://schemas.openxmlformats.org/drawingml/2006/main" xmlns:r="http://schemas.openxmlformats.org/officeDocument/2006/relationships" xmlns:p="http://schemas.openxmlformats.org/presentationml/2006/main" showMasterSp="0" type="title" preserve="1">
   <p:cSld name="Title Slide">
     <p:spTree>
       <p:nvGrpSpPr>
@@ -157,6 +157,82 @@
       </p:grpSpPr>
       <p:sp>
         <p:nvSpPr>
+          <p:cNvPr id="7" name="Rectangle 6"/>
+          <p:cNvSpPr/>
+          <p:nvPr/>
+        </p:nvSpPr>
+        <p:spPr>
+          <a:xfrm>
+            <a:off x="3175" y="6400800"/>
+            <a:ext cx="12188825" cy="457200"/>
+          </a:xfrm>
+          <a:prstGeom prst="rect">
+            <a:avLst/>
+          </a:prstGeom>
+          <a:solidFill>
+            <a:schemeClr val="accent2"/>
+          </a:solidFill>
+          <a:ln>
+            <a:noFill/>
+          </a:ln>
+        </p:spPr>
+        <p:style>
+          <a:lnRef idx="2">
+            <a:schemeClr val="accent1">
+              <a:shade val="50000"/>
+            </a:schemeClr>
+          </a:lnRef>
+          <a:fillRef idx="1">
+            <a:schemeClr val="accent1"/>
+          </a:fillRef>
+          <a:effectRef idx="0">
+            <a:schemeClr val="accent1"/>
+          </a:effectRef>
+          <a:fontRef idx="minor">
+            <a:schemeClr val="lt1"/>
+          </a:fontRef>
+        </p:style>
+      </p:sp>
+      <p:sp>
+        <p:nvSpPr>
+          <p:cNvPr id="8" name="Rectangle 7"/>
+          <p:cNvSpPr/>
+          <p:nvPr/>
+        </p:nvSpPr>
+        <p:spPr>
+          <a:xfrm>
+            <a:off x="15" y="6334316"/>
+            <a:ext cx="12188825" cy="64008"/>
+          </a:xfrm>
+          <a:prstGeom prst="rect">
+            <a:avLst/>
+          </a:prstGeom>
+          <a:solidFill>
+            <a:schemeClr val="accent1"/>
+          </a:solidFill>
+          <a:ln>
+            <a:noFill/>
+          </a:ln>
+        </p:spPr>
+        <p:style>
+          <a:lnRef idx="2">
+            <a:schemeClr val="accent1">
+              <a:shade val="50000"/>
+            </a:schemeClr>
+          </a:lnRef>
+          <a:fillRef idx="1">
+            <a:schemeClr val="accent1"/>
+          </a:fillRef>
+          <a:effectRef idx="0">
+            <a:schemeClr val="accent1"/>
+          </a:effectRef>
+          <a:fontRef idx="minor">
+            <a:schemeClr val="lt1"/>
+          </a:fontRef>
+        </p:style>
+      </p:sp>
+      <p:sp>
+        <p:nvSpPr>
           <p:cNvPr id="2" name="Title 1"/>
           <p:cNvSpPr>
             <a:spLocks noGrp="1"/>
@@ -167,15 +243,27 @@
         </p:nvSpPr>
         <p:spPr>
           <a:xfrm>
-            <a:off x="1524000" y="1122363"/>
-            <a:ext cx="9144000" cy="2387600"/>
+            <a:off x="1097280" y="758952"/>
+            <a:ext cx="10058400" cy="3566160"/>
           </a:xfrm>
         </p:spPr>
         <p:txBody>
-          <a:bodyPr anchor="b"/>
+          <a:bodyPr anchor="b">
+            <a:normAutofit/>
+          </a:bodyPr>
           <a:lstStyle>
-            <a:lvl1pPr algn="ctr">
-              <a:defRPr sz="6000"/>
+            <a:lvl1pPr algn="l">
+              <a:lnSpc>
+                <a:spcPct val="85000"/>
+              </a:lnSpc>
+              <a:defRPr sz="8000" spc="-50" baseline="0">
+                <a:solidFill>
+                  <a:schemeClr val="tx1">
+                    <a:lumMod val="85000"/>
+                    <a:lumOff val="15000"/>
+                  </a:schemeClr>
+                </a:solidFill>
+              </a:defRPr>
             </a:lvl1pPr>
           </a:lstStyle>
           <a:p>
@@ -183,7 +271,7 @@
               <a:rPr lang="en-US" smtClean="0"/>
               <a:t>Click to edit Master title style</a:t>
             </a:r>
-            <a:endParaRPr lang="en-US"/>
+            <a:endParaRPr lang="en-US" dirty="0"/>
           </a:p>
         </p:txBody>
       </p:sp>
@@ -199,48 +287,55 @@
         </p:nvSpPr>
         <p:spPr>
           <a:xfrm>
-            <a:off x="1524000" y="3602038"/>
-            <a:ext cx="9144000" cy="1655762"/>
+            <a:off x="1100051" y="4455620"/>
+            <a:ext cx="10058400" cy="1143000"/>
           </a:xfrm>
         </p:spPr>
         <p:txBody>
-          <a:bodyPr/>
+          <a:bodyPr lIns="91440" rIns="91440">
+            <a:normAutofit/>
+          </a:bodyPr>
           <a:lstStyle>
-            <a:lvl1pPr marL="0" indent="0" algn="ctr">
+            <a:lvl1pPr marL="0" indent="0" algn="l">
               <a:buNone/>
-              <a:defRPr sz="2400"/>
+              <a:defRPr sz="2400" cap="all" spc="200" baseline="0">
+                <a:solidFill>
+                  <a:schemeClr val="tx2"/>
+                </a:solidFill>
+                <a:latin typeface="+mj-lt"/>
+              </a:defRPr>
             </a:lvl1pPr>
             <a:lvl2pPr marL="457200" indent="0" algn="ctr">
               <a:buNone/>
-              <a:defRPr sz="2000"/>
+              <a:defRPr sz="2400"/>
             </a:lvl2pPr>
             <a:lvl3pPr marL="914400" indent="0" algn="ctr">
               <a:buNone/>
-              <a:defRPr sz="1800"/>
+              <a:defRPr sz="2400"/>
             </a:lvl3pPr>
             <a:lvl4pPr marL="1371600" indent="0" algn="ctr">
               <a:buNone/>
-              <a:defRPr sz="1600"/>
+              <a:defRPr sz="2000"/>
             </a:lvl4pPr>
             <a:lvl5pPr marL="1828800" indent="0" algn="ctr">
               <a:buNone/>
-              <a:defRPr sz="1600"/>
+              <a:defRPr sz="2000"/>
             </a:lvl5pPr>
             <a:lvl6pPr marL="2286000" indent="0" algn="ctr">
               <a:buNone/>
-              <a:defRPr sz="1600"/>
+              <a:defRPr sz="2000"/>
             </a:lvl6pPr>
             <a:lvl7pPr marL="2743200" indent="0" algn="ctr">
               <a:buNone/>
-              <a:defRPr sz="1600"/>
+              <a:defRPr sz="2000"/>
             </a:lvl7pPr>
             <a:lvl8pPr marL="3200400" indent="0" algn="ctr">
               <a:buNone/>
-              <a:defRPr sz="1600"/>
+              <a:defRPr sz="2000"/>
             </a:lvl8pPr>
             <a:lvl9pPr marL="3657600" indent="0" algn="ctr">
               <a:buNone/>
-              <a:defRPr sz="1600"/>
+              <a:defRPr sz="2000"/>
             </a:lvl9pPr>
           </a:lstStyle>
           <a:p>
@@ -248,7 +343,7 @@
               <a:rPr lang="en-US" smtClean="0"/>
               <a:t>Click to edit Master subtitle style</a:t>
             </a:r>
-            <a:endParaRPr lang="en-US"/>
+            <a:endParaRPr lang="en-US" dirty="0"/>
           </a:p>
         </p:txBody>
       </p:sp>
@@ -269,7 +364,7 @@
           <a:p>
             <a:fld id="{C65B1D1D-32B5-4983-9D9F-621AAD57FB58}" type="datetimeFigureOut">
               <a:rPr lang="en-US" smtClean="0"/>
-              <a:t>4/26/2018</a:t>
+              <a:t>6/6/2018</a:t>
             </a:fld>
             <a:endParaRPr lang="en-US"/>
           </a:p>
@@ -317,10 +412,48 @@
           </a:p>
         </p:txBody>
       </p:sp>
+      <p:cxnSp>
+        <p:nvCxnSpPr>
+          <p:cNvPr id="9" name="Straight Connector 8"/>
+          <p:cNvCxnSpPr/>
+          <p:nvPr/>
+        </p:nvCxnSpPr>
+        <p:spPr>
+          <a:xfrm>
+            <a:off x="1207658" y="4343400"/>
+            <a:ext cx="9875520" cy="0"/>
+          </a:xfrm>
+          <a:prstGeom prst="line">
+            <a:avLst/>
+          </a:prstGeom>
+          <a:ln w="6350">
+            <a:solidFill>
+              <a:schemeClr val="tx1">
+                <a:lumMod val="50000"/>
+                <a:lumOff val="50000"/>
+              </a:schemeClr>
+            </a:solidFill>
+          </a:ln>
+        </p:spPr>
+        <p:style>
+          <a:lnRef idx="1">
+            <a:schemeClr val="accent1"/>
+          </a:lnRef>
+          <a:fillRef idx="0">
+            <a:schemeClr val="accent1"/>
+          </a:fillRef>
+          <a:effectRef idx="0">
+            <a:schemeClr val="accent1"/>
+          </a:effectRef>
+          <a:fontRef idx="minor">
+            <a:schemeClr val="tx1"/>
+          </a:fontRef>
+        </p:style>
+      </p:cxnSp>
     </p:spTree>
     <p:extLst>
       <p:ext uri="{BB962C8B-B14F-4D97-AF65-F5344CB8AC3E}">
-        <p14:creationId xmlns:p14="http://schemas.microsoft.com/office/powerpoint/2010/main" val="3036899519"/>
+        <p14:creationId xmlns:p14="http://schemas.microsoft.com/office/powerpoint/2010/main" val="3615425890"/>
       </p:ext>
     </p:extLst>
   </p:cSld>
@@ -366,7 +499,7 @@
               <a:rPr lang="en-US" smtClean="0"/>
               <a:t>Click to edit Master title style</a:t>
             </a:r>
-            <a:endParaRPr lang="en-US"/>
+            <a:endParaRPr lang="en-US" dirty="0"/>
           </a:p>
         </p:txBody>
       </p:sp>
@@ -382,7 +515,7 @@
         </p:nvSpPr>
         <p:spPr/>
         <p:txBody>
-          <a:bodyPr vert="eaVert"/>
+          <a:bodyPr vert="eaVert" lIns="45720" tIns="0" rIns="45720" bIns="0"/>
           <a:lstStyle/>
           <a:p>
             <a:pPr lvl="0"/>
@@ -418,7 +551,7 @@
               <a:rPr lang="en-US" smtClean="0"/>
               <a:t>Fifth level</a:t>
             </a:r>
-            <a:endParaRPr lang="en-US"/>
+            <a:endParaRPr lang="en-US" dirty="0"/>
           </a:p>
         </p:txBody>
       </p:sp>
@@ -439,7 +572,7 @@
           <a:p>
             <a:fld id="{C65B1D1D-32B5-4983-9D9F-621AAD57FB58}" type="datetimeFigureOut">
               <a:rPr lang="en-US" smtClean="0"/>
-              <a:t>4/26/2018</a:t>
+              <a:t>6/6/2018</a:t>
             </a:fld>
             <a:endParaRPr lang="en-US"/>
           </a:p>
@@ -490,7 +623,7 @@
     </p:spTree>
     <p:extLst>
       <p:ext uri="{BB962C8B-B14F-4D97-AF65-F5344CB8AC3E}">
-        <p14:creationId xmlns:p14="http://schemas.microsoft.com/office/powerpoint/2010/main" val="3636141869"/>
+        <p14:creationId xmlns:p14="http://schemas.microsoft.com/office/powerpoint/2010/main" val="2216596677"/>
       </p:ext>
     </p:extLst>
   </p:cSld>
@@ -501,7 +634,7 @@
 </file>
 
 <file path=ppt/slideLayouts/slideLayout11.xml><?xml version="1.0" encoding="utf-8"?>
-<p:sldLayout xmlns:a="http://schemas.openxmlformats.org/drawingml/2006/main" xmlns:r="http://schemas.openxmlformats.org/officeDocument/2006/relationships" xmlns:p="http://schemas.openxmlformats.org/presentationml/2006/main" type="vertTitleAndTx" preserve="1">
+<p:sldLayout xmlns:a="http://schemas.openxmlformats.org/drawingml/2006/main" xmlns:r="http://schemas.openxmlformats.org/officeDocument/2006/relationships" xmlns:p="http://schemas.openxmlformats.org/presentationml/2006/main" showMasterSp="0" type="vertTitleAndTx" preserve="1">
   <p:cSld name="Vertical Title and Text">
     <p:spTree>
       <p:nvGrpSpPr>
@@ -519,6 +652,82 @@
       </p:grpSpPr>
       <p:sp>
         <p:nvSpPr>
+          <p:cNvPr id="7" name="Rectangle 6"/>
+          <p:cNvSpPr/>
+          <p:nvPr/>
+        </p:nvSpPr>
+        <p:spPr>
+          <a:xfrm>
+            <a:off x="3175" y="6400800"/>
+            <a:ext cx="12188825" cy="457200"/>
+          </a:xfrm>
+          <a:prstGeom prst="rect">
+            <a:avLst/>
+          </a:prstGeom>
+          <a:solidFill>
+            <a:schemeClr val="accent2"/>
+          </a:solidFill>
+          <a:ln>
+            <a:noFill/>
+          </a:ln>
+        </p:spPr>
+        <p:style>
+          <a:lnRef idx="2">
+            <a:schemeClr val="accent1">
+              <a:shade val="50000"/>
+            </a:schemeClr>
+          </a:lnRef>
+          <a:fillRef idx="1">
+            <a:schemeClr val="accent1"/>
+          </a:fillRef>
+          <a:effectRef idx="0">
+            <a:schemeClr val="accent1"/>
+          </a:effectRef>
+          <a:fontRef idx="minor">
+            <a:schemeClr val="lt1"/>
+          </a:fontRef>
+        </p:style>
+      </p:sp>
+      <p:sp>
+        <p:nvSpPr>
+          <p:cNvPr id="8" name="Rectangle 7"/>
+          <p:cNvSpPr/>
+          <p:nvPr/>
+        </p:nvSpPr>
+        <p:spPr>
+          <a:xfrm>
+            <a:off x="15" y="6334316"/>
+            <a:ext cx="12188825" cy="64008"/>
+          </a:xfrm>
+          <a:prstGeom prst="rect">
+            <a:avLst/>
+          </a:prstGeom>
+          <a:solidFill>
+            <a:schemeClr val="accent1"/>
+          </a:solidFill>
+          <a:ln>
+            <a:noFill/>
+          </a:ln>
+        </p:spPr>
+        <p:style>
+          <a:lnRef idx="2">
+            <a:schemeClr val="accent1">
+              <a:shade val="50000"/>
+            </a:schemeClr>
+          </a:lnRef>
+          <a:fillRef idx="1">
+            <a:schemeClr val="accent1"/>
+          </a:fillRef>
+          <a:effectRef idx="0">
+            <a:schemeClr val="accent1"/>
+          </a:effectRef>
+          <a:fontRef idx="minor">
+            <a:schemeClr val="lt1"/>
+          </a:fontRef>
+        </p:style>
+      </p:sp>
+      <p:sp>
+        <p:nvSpPr>
           <p:cNvPr id="2" name="Vertical Title 1"/>
           <p:cNvSpPr>
             <a:spLocks noGrp="1"/>
@@ -529,8 +738,8 @@
         </p:nvSpPr>
         <p:spPr>
           <a:xfrm>
-            <a:off x="8724900" y="365125"/>
-            <a:ext cx="2628900" cy="5811838"/>
+            <a:off x="8724900" y="414778"/>
+            <a:ext cx="2628900" cy="5757421"/>
           </a:xfrm>
         </p:spPr>
         <p:txBody>
@@ -541,7 +750,7 @@
               <a:rPr lang="en-US" smtClean="0"/>
               <a:t>Click to edit Master title style</a:t>
             </a:r>
-            <a:endParaRPr lang="en-US"/>
+            <a:endParaRPr lang="en-US" dirty="0"/>
           </a:p>
         </p:txBody>
       </p:sp>
@@ -557,12 +766,12 @@
         </p:nvSpPr>
         <p:spPr>
           <a:xfrm>
-            <a:off x="838200" y="365125"/>
-            <a:ext cx="7734300" cy="5811838"/>
+            <a:off x="838200" y="414778"/>
+            <a:ext cx="7734300" cy="5757422"/>
           </a:xfrm>
         </p:spPr>
         <p:txBody>
-          <a:bodyPr vert="eaVert"/>
+          <a:bodyPr vert="eaVert" lIns="45720" tIns="0" rIns="45720" bIns="0"/>
           <a:lstStyle/>
           <a:p>
             <a:pPr lvl="0"/>
@@ -598,7 +807,7 @@
               <a:rPr lang="en-US" smtClean="0"/>
               <a:t>Fifth level</a:t>
             </a:r>
-            <a:endParaRPr lang="en-US"/>
+            <a:endParaRPr lang="en-US" dirty="0"/>
           </a:p>
         </p:txBody>
       </p:sp>
@@ -619,7 +828,7 @@
           <a:p>
             <a:fld id="{C65B1D1D-32B5-4983-9D9F-621AAD57FB58}" type="datetimeFigureOut">
               <a:rPr lang="en-US" smtClean="0"/>
-              <a:t>4/26/2018</a:t>
+              <a:t>6/6/2018</a:t>
             </a:fld>
             <a:endParaRPr lang="en-US"/>
           </a:p>
@@ -670,7 +879,7 @@
     </p:spTree>
     <p:extLst>
       <p:ext uri="{BB962C8B-B14F-4D97-AF65-F5344CB8AC3E}">
-        <p14:creationId xmlns:p14="http://schemas.microsoft.com/office/powerpoint/2010/main" val="867305019"/>
+        <p14:creationId xmlns:p14="http://schemas.microsoft.com/office/powerpoint/2010/main" val="4294420421"/>
       </p:ext>
     </p:extLst>
   </p:cSld>
@@ -710,13 +919,17 @@
         <p:spPr/>
         <p:txBody>
           <a:bodyPr/>
-          <a:lstStyle/>
+          <a:lstStyle>
+            <a:lvl1pPr marL="0">
+              <a:defRPr/>
+            </a:lvl1pPr>
+          </a:lstStyle>
           <a:p>
             <a:r>
               <a:rPr lang="en-US" smtClean="0"/>
               <a:t>Click to edit Master title style</a:t>
             </a:r>
-            <a:endParaRPr lang="en-US"/>
+            <a:endParaRPr lang="en-US" dirty="0"/>
           </a:p>
         </p:txBody>
       </p:sp>
@@ -768,7 +981,7 @@
               <a:rPr lang="en-US" smtClean="0"/>
               <a:t>Fifth level</a:t>
             </a:r>
-            <a:endParaRPr lang="en-US"/>
+            <a:endParaRPr lang="en-US" dirty="0"/>
           </a:p>
         </p:txBody>
       </p:sp>
@@ -789,7 +1002,7 @@
           <a:p>
             <a:fld id="{C65B1D1D-32B5-4983-9D9F-621AAD57FB58}" type="datetimeFigureOut">
               <a:rPr lang="en-US" smtClean="0"/>
-              <a:t>4/26/2018</a:t>
+              <a:t>6/6/2018</a:t>
             </a:fld>
             <a:endParaRPr lang="en-US"/>
           </a:p>
@@ -840,7 +1053,7 @@
     </p:spTree>
     <p:extLst>
       <p:ext uri="{BB962C8B-B14F-4D97-AF65-F5344CB8AC3E}">
-        <p14:creationId xmlns:p14="http://schemas.microsoft.com/office/powerpoint/2010/main" val="4170563545"/>
+        <p14:creationId xmlns:p14="http://schemas.microsoft.com/office/powerpoint/2010/main" val="1203160279"/>
       </p:ext>
     </p:extLst>
   </p:cSld>
@@ -851,8 +1064,16 @@
 </file>
 
 <file path=ppt/slideLayouts/slideLayout3.xml><?xml version="1.0" encoding="utf-8"?>
-<p:sldLayout xmlns:a="http://schemas.openxmlformats.org/drawingml/2006/main" xmlns:r="http://schemas.openxmlformats.org/officeDocument/2006/relationships" xmlns:p="http://schemas.openxmlformats.org/presentationml/2006/main" type="secHead" preserve="1">
+<p:sldLayout xmlns:a="http://schemas.openxmlformats.org/drawingml/2006/main" xmlns:r="http://schemas.openxmlformats.org/officeDocument/2006/relationships" xmlns:p="http://schemas.openxmlformats.org/presentationml/2006/main" showMasterSp="0" type="secHead" preserve="1">
   <p:cSld name="Section Header">
+    <p:bg>
+      <p:bgPr>
+        <a:solidFill>
+          <a:schemeClr val="bg1"/>
+        </a:solidFill>
+        <a:effectLst/>
+      </p:bgPr>
+    </p:bg>
     <p:spTree>
       <p:nvGrpSpPr>
         <p:cNvPr id="1" name=""/>
@@ -869,6 +1090,82 @@
       </p:grpSpPr>
       <p:sp>
         <p:nvSpPr>
+          <p:cNvPr id="7" name="Rectangle 6"/>
+          <p:cNvSpPr/>
+          <p:nvPr/>
+        </p:nvSpPr>
+        <p:spPr>
+          <a:xfrm>
+            <a:off x="3175" y="6400800"/>
+            <a:ext cx="12188825" cy="457200"/>
+          </a:xfrm>
+          <a:prstGeom prst="rect">
+            <a:avLst/>
+          </a:prstGeom>
+          <a:solidFill>
+            <a:schemeClr val="accent2"/>
+          </a:solidFill>
+          <a:ln>
+            <a:noFill/>
+          </a:ln>
+        </p:spPr>
+        <p:style>
+          <a:lnRef idx="2">
+            <a:schemeClr val="accent1">
+              <a:shade val="50000"/>
+            </a:schemeClr>
+          </a:lnRef>
+          <a:fillRef idx="1">
+            <a:schemeClr val="accent1"/>
+          </a:fillRef>
+          <a:effectRef idx="0">
+            <a:schemeClr val="accent1"/>
+          </a:effectRef>
+          <a:fontRef idx="minor">
+            <a:schemeClr val="lt1"/>
+          </a:fontRef>
+        </p:style>
+      </p:sp>
+      <p:sp>
+        <p:nvSpPr>
+          <p:cNvPr id="8" name="Rectangle 7"/>
+          <p:cNvSpPr/>
+          <p:nvPr/>
+        </p:nvSpPr>
+        <p:spPr>
+          <a:xfrm>
+            <a:off x="15" y="6334316"/>
+            <a:ext cx="12188825" cy="64008"/>
+          </a:xfrm>
+          <a:prstGeom prst="rect">
+            <a:avLst/>
+          </a:prstGeom>
+          <a:solidFill>
+            <a:schemeClr val="accent1"/>
+          </a:solidFill>
+          <a:ln>
+            <a:noFill/>
+          </a:ln>
+        </p:spPr>
+        <p:style>
+          <a:lnRef idx="2">
+            <a:schemeClr val="accent1">
+              <a:shade val="50000"/>
+            </a:schemeClr>
+          </a:lnRef>
+          <a:fillRef idx="1">
+            <a:schemeClr val="accent1"/>
+          </a:fillRef>
+          <a:effectRef idx="0">
+            <a:schemeClr val="accent1"/>
+          </a:effectRef>
+          <a:fontRef idx="minor">
+            <a:schemeClr val="lt1"/>
+          </a:fontRef>
+        </p:style>
+      </p:sp>
+      <p:sp>
+        <p:nvSpPr>
           <p:cNvPr id="2" name="Title 1"/>
           <p:cNvSpPr>
             <a:spLocks noGrp="1"/>
@@ -879,15 +1176,27 @@
         </p:nvSpPr>
         <p:spPr>
           <a:xfrm>
-            <a:off x="831850" y="1709738"/>
-            <a:ext cx="10515600" cy="2852737"/>
+            <a:off x="1097280" y="758952"/>
+            <a:ext cx="10058400" cy="3566160"/>
           </a:xfrm>
         </p:spPr>
         <p:txBody>
-          <a:bodyPr anchor="b"/>
+          <a:bodyPr anchor="b" anchorCtr="0">
+            <a:normAutofit/>
+          </a:bodyPr>
           <a:lstStyle>
             <a:lvl1pPr>
-              <a:defRPr sz="6000"/>
+              <a:lnSpc>
+                <a:spcPct val="85000"/>
+              </a:lnSpc>
+              <a:defRPr sz="8000" b="0">
+                <a:solidFill>
+                  <a:schemeClr val="tx1">
+                    <a:lumMod val="85000"/>
+                    <a:lumOff val="15000"/>
+                  </a:schemeClr>
+                </a:solidFill>
+              </a:defRPr>
             </a:lvl1pPr>
           </a:lstStyle>
           <a:p>
@@ -895,7 +1204,7 @@
               <a:rPr lang="en-US" smtClean="0"/>
               <a:t>Click to edit Master title style</a:t>
             </a:r>
-            <a:endParaRPr lang="en-US"/>
+            <a:endParaRPr lang="en-US" dirty="0"/>
           </a:p>
         </p:txBody>
       </p:sp>
@@ -911,26 +1220,27 @@
         </p:nvSpPr>
         <p:spPr>
           <a:xfrm>
-            <a:off x="831850" y="4589463"/>
-            <a:ext cx="10515600" cy="1500187"/>
+            <a:off x="1097280" y="4453128"/>
+            <a:ext cx="10058400" cy="1143000"/>
           </a:xfrm>
         </p:spPr>
         <p:txBody>
-          <a:bodyPr/>
+          <a:bodyPr lIns="91440" rIns="91440" anchor="t" anchorCtr="0">
+            <a:normAutofit/>
+          </a:bodyPr>
           <a:lstStyle>
             <a:lvl1pPr marL="0" indent="0">
               <a:buNone/>
-              <a:defRPr sz="2400">
+              <a:defRPr sz="2400" cap="all" spc="200" baseline="0">
                 <a:solidFill>
-                  <a:schemeClr val="tx1">
-                    <a:tint val="75000"/>
-                  </a:schemeClr>
+                  <a:schemeClr val="tx2"/>
                 </a:solidFill>
+                <a:latin typeface="+mj-lt"/>
               </a:defRPr>
             </a:lvl1pPr>
             <a:lvl2pPr marL="457200" indent="0">
               <a:buNone/>
-              <a:defRPr sz="2000">
+              <a:defRPr sz="1800">
                 <a:solidFill>
                   <a:schemeClr val="tx1">
                     <a:tint val="75000"/>
@@ -940,7 +1250,7 @@
             </a:lvl2pPr>
             <a:lvl3pPr marL="914400" indent="0">
               <a:buNone/>
-              <a:defRPr sz="1800">
+              <a:defRPr sz="1600">
                 <a:solidFill>
                   <a:schemeClr val="tx1">
                     <a:tint val="75000"/>
@@ -950,7 +1260,7 @@
             </a:lvl3pPr>
             <a:lvl4pPr marL="1371600" indent="0">
               <a:buNone/>
-              <a:defRPr sz="1600">
+              <a:defRPr sz="1400">
                 <a:solidFill>
                   <a:schemeClr val="tx1">
                     <a:tint val="75000"/>
@@ -960,7 +1270,7 @@
             </a:lvl4pPr>
             <a:lvl5pPr marL="1828800" indent="0">
               <a:buNone/>
-              <a:defRPr sz="1600">
+              <a:defRPr sz="1400">
                 <a:solidFill>
                   <a:schemeClr val="tx1">
                     <a:tint val="75000"/>
@@ -970,7 +1280,7 @@
             </a:lvl5pPr>
             <a:lvl6pPr marL="2286000" indent="0">
               <a:buNone/>
-              <a:defRPr sz="1600">
+              <a:defRPr sz="1400">
                 <a:solidFill>
                   <a:schemeClr val="tx1">
                     <a:tint val="75000"/>
@@ -980,7 +1290,7 @@
             </a:lvl6pPr>
             <a:lvl7pPr marL="2743200" indent="0">
               <a:buNone/>
-              <a:defRPr sz="1600">
+              <a:defRPr sz="1400">
                 <a:solidFill>
                   <a:schemeClr val="tx1">
                     <a:tint val="75000"/>
@@ -990,7 +1300,7 @@
             </a:lvl7pPr>
             <a:lvl8pPr marL="3200400" indent="0">
               <a:buNone/>
-              <a:defRPr sz="1600">
+              <a:defRPr sz="1400">
                 <a:solidFill>
                   <a:schemeClr val="tx1">
                     <a:tint val="75000"/>
@@ -1000,7 +1310,7 @@
             </a:lvl8pPr>
             <a:lvl9pPr marL="3657600" indent="0">
               <a:buNone/>
-              <a:defRPr sz="1600">
+              <a:defRPr sz="1400">
                 <a:solidFill>
                   <a:schemeClr val="tx1">
                     <a:tint val="75000"/>
@@ -1035,7 +1345,7 @@
           <a:p>
             <a:fld id="{C65B1D1D-32B5-4983-9D9F-621AAD57FB58}" type="datetimeFigureOut">
               <a:rPr lang="en-US" smtClean="0"/>
-              <a:t>4/26/2018</a:t>
+              <a:t>6/6/2018</a:t>
             </a:fld>
             <a:endParaRPr lang="en-US"/>
           </a:p>
@@ -1083,10 +1393,48 @@
           </a:p>
         </p:txBody>
       </p:sp>
+      <p:cxnSp>
+        <p:nvCxnSpPr>
+          <p:cNvPr id="9" name="Straight Connector 8"/>
+          <p:cNvCxnSpPr/>
+          <p:nvPr/>
+        </p:nvCxnSpPr>
+        <p:spPr>
+          <a:xfrm>
+            <a:off x="1207658" y="4343400"/>
+            <a:ext cx="9875520" cy="0"/>
+          </a:xfrm>
+          <a:prstGeom prst="line">
+            <a:avLst/>
+          </a:prstGeom>
+          <a:ln w="6350">
+            <a:solidFill>
+              <a:schemeClr val="tx1">
+                <a:lumMod val="50000"/>
+                <a:lumOff val="50000"/>
+              </a:schemeClr>
+            </a:solidFill>
+          </a:ln>
+        </p:spPr>
+        <p:style>
+          <a:lnRef idx="1">
+            <a:schemeClr val="accent1"/>
+          </a:lnRef>
+          <a:fillRef idx="0">
+            <a:schemeClr val="accent1"/>
+          </a:fillRef>
+          <a:effectRef idx="0">
+            <a:schemeClr val="accent1"/>
+          </a:effectRef>
+          <a:fontRef idx="minor">
+            <a:schemeClr val="tx1"/>
+          </a:fontRef>
+        </p:style>
+      </p:cxnSp>
     </p:spTree>
     <p:extLst>
       <p:ext uri="{BB962C8B-B14F-4D97-AF65-F5344CB8AC3E}">
-        <p14:creationId xmlns:p14="http://schemas.microsoft.com/office/powerpoint/2010/main" val="4205010819"/>
+        <p14:creationId xmlns:p14="http://schemas.microsoft.com/office/powerpoint/2010/main" val="615960289"/>
       </p:ext>
     </p:extLst>
   </p:cSld>
@@ -1115,7 +1463,7 @@
       </p:grpSpPr>
       <p:sp>
         <p:nvSpPr>
-          <p:cNvPr id="2" name="Title 1"/>
+          <p:cNvPr id="8" name="Title 7"/>
           <p:cNvSpPr>
             <a:spLocks noGrp="1"/>
           </p:cNvSpPr>
@@ -1123,7 +1471,12 @@
             <p:ph type="title"/>
           </p:nvPr>
         </p:nvSpPr>
-        <p:spPr/>
+        <p:spPr>
+          <a:xfrm>
+            <a:off x="1097280" y="286603"/>
+            <a:ext cx="10058400" cy="1450757"/>
+          </a:xfrm>
+        </p:spPr>
         <p:txBody>
           <a:bodyPr/>
           <a:lstStyle/>
@@ -1132,7 +1485,7 @@
               <a:rPr lang="en-US" smtClean="0"/>
               <a:t>Click to edit Master title style</a:t>
             </a:r>
-            <a:endParaRPr lang="en-US"/>
+            <a:endParaRPr lang="en-US" dirty="0"/>
           </a:p>
         </p:txBody>
       </p:sp>
@@ -1148,8 +1501,8 @@
         </p:nvSpPr>
         <p:spPr>
           <a:xfrm>
-            <a:off x="838200" y="1825625"/>
-            <a:ext cx="5181600" cy="4351338"/>
+            <a:off x="1097279" y="1845734"/>
+            <a:ext cx="4937760" cy="4023360"/>
           </a:xfrm>
         </p:spPr>
         <p:txBody>
@@ -1189,7 +1542,7 @@
               <a:rPr lang="en-US" smtClean="0"/>
               <a:t>Fifth level</a:t>
             </a:r>
-            <a:endParaRPr lang="en-US"/>
+            <a:endParaRPr lang="en-US" dirty="0"/>
           </a:p>
         </p:txBody>
       </p:sp>
@@ -1205,8 +1558,8 @@
         </p:nvSpPr>
         <p:spPr>
           <a:xfrm>
-            <a:off x="6172200" y="1825625"/>
-            <a:ext cx="5181600" cy="4351338"/>
+            <a:off x="6217920" y="1845735"/>
+            <a:ext cx="4937760" cy="4023360"/>
           </a:xfrm>
         </p:spPr>
         <p:txBody>
@@ -1246,7 +1599,7 @@
               <a:rPr lang="en-US" smtClean="0"/>
               <a:t>Fifth level</a:t>
             </a:r>
-            <a:endParaRPr lang="en-US"/>
+            <a:endParaRPr lang="en-US" dirty="0"/>
           </a:p>
         </p:txBody>
       </p:sp>
@@ -1267,7 +1620,7 @@
           <a:p>
             <a:fld id="{C65B1D1D-32B5-4983-9D9F-621AAD57FB58}" type="datetimeFigureOut">
               <a:rPr lang="en-US" smtClean="0"/>
-              <a:t>4/26/2018</a:t>
+              <a:t>6/6/2018</a:t>
             </a:fld>
             <a:endParaRPr lang="en-US"/>
           </a:p>
@@ -1318,7 +1671,7 @@
     </p:spTree>
     <p:extLst>
       <p:ext uri="{BB962C8B-B14F-4D97-AF65-F5344CB8AC3E}">
-        <p14:creationId xmlns:p14="http://schemas.microsoft.com/office/powerpoint/2010/main" val="880403664"/>
+        <p14:creationId xmlns:p14="http://schemas.microsoft.com/office/powerpoint/2010/main" val="2094379017"/>
       </p:ext>
     </p:extLst>
   </p:cSld>
@@ -1347,7 +1700,7 @@
       </p:grpSpPr>
       <p:sp>
         <p:nvSpPr>
-          <p:cNvPr id="2" name="Title 1"/>
+          <p:cNvPr id="10" name="Title 9"/>
           <p:cNvSpPr>
             <a:spLocks noGrp="1"/>
           </p:cNvSpPr>
@@ -1357,8 +1710,8 @@
         </p:nvSpPr>
         <p:spPr>
           <a:xfrm>
-            <a:off x="839788" y="365125"/>
-            <a:ext cx="10515600" cy="1325563"/>
+            <a:off x="1097280" y="286603"/>
+            <a:ext cx="10058400" cy="1450757"/>
           </a:xfrm>
         </p:spPr>
         <p:txBody>
@@ -1369,7 +1722,7 @@
               <a:rPr lang="en-US" smtClean="0"/>
               <a:t>Click to edit Master title style</a:t>
             </a:r>
-            <a:endParaRPr lang="en-US"/>
+            <a:endParaRPr lang="en-US" dirty="0"/>
           </a:p>
         </p:txBody>
       </p:sp>
@@ -1385,16 +1738,22 @@
         </p:nvSpPr>
         <p:spPr>
           <a:xfrm>
-            <a:off x="839788" y="1681163"/>
-            <a:ext cx="5157787" cy="823912"/>
+            <a:off x="1097280" y="1846052"/>
+            <a:ext cx="4937760" cy="736282"/>
           </a:xfrm>
         </p:spPr>
         <p:txBody>
-          <a:bodyPr anchor="b"/>
+          <a:bodyPr lIns="91440" rIns="91440" anchor="ctr">
+            <a:normAutofit/>
+          </a:bodyPr>
           <a:lstStyle>
             <a:lvl1pPr marL="0" indent="0">
               <a:buNone/>
-              <a:defRPr sz="2400" b="1"/>
+              <a:defRPr sz="2000" b="0" cap="all" baseline="0">
+                <a:solidFill>
+                  <a:schemeClr val="tx2"/>
+                </a:solidFill>
+              </a:defRPr>
             </a:lvl1pPr>
             <a:lvl2pPr marL="457200" indent="0">
               <a:buNone/>
@@ -1450,8 +1809,8 @@
         </p:nvSpPr>
         <p:spPr>
           <a:xfrm>
-            <a:off x="839788" y="2505075"/>
-            <a:ext cx="5157787" cy="3684588"/>
+            <a:off x="1097280" y="2582334"/>
+            <a:ext cx="4937760" cy="3378200"/>
           </a:xfrm>
         </p:spPr>
         <p:txBody>
@@ -1491,7 +1850,7 @@
               <a:rPr lang="en-US" smtClean="0"/>
               <a:t>Fifth level</a:t>
             </a:r>
-            <a:endParaRPr lang="en-US"/>
+            <a:endParaRPr lang="en-US" dirty="0"/>
           </a:p>
         </p:txBody>
       </p:sp>
@@ -1507,16 +1866,22 @@
         </p:nvSpPr>
         <p:spPr>
           <a:xfrm>
-            <a:off x="6172200" y="1681163"/>
-            <a:ext cx="5183188" cy="823912"/>
+            <a:off x="6217920" y="1846052"/>
+            <a:ext cx="4937760" cy="736282"/>
           </a:xfrm>
         </p:spPr>
         <p:txBody>
-          <a:bodyPr anchor="b"/>
+          <a:bodyPr lIns="91440" rIns="91440" anchor="ctr">
+            <a:normAutofit/>
+          </a:bodyPr>
           <a:lstStyle>
             <a:lvl1pPr marL="0" indent="0">
               <a:buNone/>
-              <a:defRPr sz="2400" b="1"/>
+              <a:defRPr sz="2000" b="0" cap="all" baseline="0">
+                <a:solidFill>
+                  <a:schemeClr val="tx2"/>
+                </a:solidFill>
+              </a:defRPr>
             </a:lvl1pPr>
             <a:lvl2pPr marL="457200" indent="0">
               <a:buNone/>
@@ -1572,8 +1937,8 @@
         </p:nvSpPr>
         <p:spPr>
           <a:xfrm>
-            <a:off x="6172200" y="2505075"/>
-            <a:ext cx="5183188" cy="3684588"/>
+            <a:off x="6217920" y="2582334"/>
+            <a:ext cx="4937760" cy="3378200"/>
           </a:xfrm>
         </p:spPr>
         <p:txBody>
@@ -1613,7 +1978,7 @@
               <a:rPr lang="en-US" smtClean="0"/>
               <a:t>Fifth level</a:t>
             </a:r>
-            <a:endParaRPr lang="en-US"/>
+            <a:endParaRPr lang="en-US" dirty="0"/>
           </a:p>
         </p:txBody>
       </p:sp>
@@ -1634,7 +1999,7 @@
           <a:p>
             <a:fld id="{C65B1D1D-32B5-4983-9D9F-621AAD57FB58}" type="datetimeFigureOut">
               <a:rPr lang="en-US" smtClean="0"/>
-              <a:t>4/26/2018</a:t>
+              <a:t>6/6/2018</a:t>
             </a:fld>
             <a:endParaRPr lang="en-US"/>
           </a:p>
@@ -1685,7 +2050,7 @@
     </p:spTree>
     <p:extLst>
       <p:ext uri="{BB962C8B-B14F-4D97-AF65-F5344CB8AC3E}">
-        <p14:creationId xmlns:p14="http://schemas.microsoft.com/office/powerpoint/2010/main" val="2794141964"/>
+        <p14:creationId xmlns:p14="http://schemas.microsoft.com/office/powerpoint/2010/main" val="3858742203"/>
       </p:ext>
     </p:extLst>
   </p:cSld>
@@ -1731,7 +2096,7 @@
               <a:rPr lang="en-US" smtClean="0"/>
               <a:t>Click to edit Master title style</a:t>
             </a:r>
-            <a:endParaRPr lang="en-US"/>
+            <a:endParaRPr lang="en-US" dirty="0"/>
           </a:p>
         </p:txBody>
       </p:sp>
@@ -1752,7 +2117,7 @@
           <a:p>
             <a:fld id="{C65B1D1D-32B5-4983-9D9F-621AAD57FB58}" type="datetimeFigureOut">
               <a:rPr lang="en-US" smtClean="0"/>
-              <a:t>4/26/2018</a:t>
+              <a:t>6/6/2018</a:t>
             </a:fld>
             <a:endParaRPr lang="en-US"/>
           </a:p>
@@ -1803,7 +2168,7 @@
     </p:spTree>
     <p:extLst>
       <p:ext uri="{BB962C8B-B14F-4D97-AF65-F5344CB8AC3E}">
-        <p14:creationId xmlns:p14="http://schemas.microsoft.com/office/powerpoint/2010/main" val="4284493789"/>
+        <p14:creationId xmlns:p14="http://schemas.microsoft.com/office/powerpoint/2010/main" val="1382928142"/>
       </p:ext>
     </p:extLst>
   </p:cSld>
@@ -1814,7 +2179,7 @@
 </file>
 
 <file path=ppt/slideLayouts/slideLayout7.xml><?xml version="1.0" encoding="utf-8"?>
-<p:sldLayout xmlns:a="http://schemas.openxmlformats.org/drawingml/2006/main" xmlns:r="http://schemas.openxmlformats.org/officeDocument/2006/relationships" xmlns:p="http://schemas.openxmlformats.org/presentationml/2006/main" type="blank" preserve="1">
+<p:sldLayout xmlns:a="http://schemas.openxmlformats.org/drawingml/2006/main" xmlns:r="http://schemas.openxmlformats.org/officeDocument/2006/relationships" xmlns:p="http://schemas.openxmlformats.org/presentationml/2006/main" showMasterSp="0" type="blank" preserve="1">
   <p:cSld name="Blank">
     <p:spTree>
       <p:nvGrpSpPr>
@@ -1832,7 +2197,83 @@
       </p:grpSpPr>
       <p:sp>
         <p:nvSpPr>
-          <p:cNvPr id="2" name="Date Placeholder 1"/>
+          <p:cNvPr id="5" name="Rectangle 4"/>
+          <p:cNvSpPr/>
+          <p:nvPr/>
+        </p:nvSpPr>
+        <p:spPr>
+          <a:xfrm>
+            <a:off x="3175" y="6400800"/>
+            <a:ext cx="12188825" cy="457200"/>
+          </a:xfrm>
+          <a:prstGeom prst="rect">
+            <a:avLst/>
+          </a:prstGeom>
+          <a:solidFill>
+            <a:schemeClr val="accent2"/>
+          </a:solidFill>
+          <a:ln>
+            <a:noFill/>
+          </a:ln>
+        </p:spPr>
+        <p:style>
+          <a:lnRef idx="2">
+            <a:schemeClr val="accent1">
+              <a:shade val="50000"/>
+            </a:schemeClr>
+          </a:lnRef>
+          <a:fillRef idx="1">
+            <a:schemeClr val="accent1"/>
+          </a:fillRef>
+          <a:effectRef idx="0">
+            <a:schemeClr val="accent1"/>
+          </a:effectRef>
+          <a:fontRef idx="minor">
+            <a:schemeClr val="lt1"/>
+          </a:fontRef>
+        </p:style>
+      </p:sp>
+      <p:sp>
+        <p:nvSpPr>
+          <p:cNvPr id="6" name="Rectangle 5"/>
+          <p:cNvSpPr/>
+          <p:nvPr/>
+        </p:nvSpPr>
+        <p:spPr>
+          <a:xfrm>
+            <a:off x="15" y="6334316"/>
+            <a:ext cx="12188825" cy="64008"/>
+          </a:xfrm>
+          <a:prstGeom prst="rect">
+            <a:avLst/>
+          </a:prstGeom>
+          <a:solidFill>
+            <a:schemeClr val="accent1"/>
+          </a:solidFill>
+          <a:ln>
+            <a:noFill/>
+          </a:ln>
+        </p:spPr>
+        <p:style>
+          <a:lnRef idx="2">
+            <a:schemeClr val="accent1">
+              <a:shade val="50000"/>
+            </a:schemeClr>
+          </a:lnRef>
+          <a:fillRef idx="1">
+            <a:schemeClr val="accent1"/>
+          </a:fillRef>
+          <a:effectRef idx="0">
+            <a:schemeClr val="accent1"/>
+          </a:effectRef>
+          <a:fontRef idx="minor">
+            <a:schemeClr val="lt1"/>
+          </a:fontRef>
+        </p:style>
+      </p:sp>
+      <p:sp>
+        <p:nvSpPr>
+          <p:cNvPr id="7" name="Date Placeholder 6"/>
           <p:cNvSpPr>
             <a:spLocks noGrp="1"/>
           </p:cNvSpPr>
@@ -1847,7 +2288,7 @@
           <a:p>
             <a:fld id="{C65B1D1D-32B5-4983-9D9F-621AAD57FB58}" type="datetimeFigureOut">
               <a:rPr lang="en-US" smtClean="0"/>
-              <a:t>4/26/2018</a:t>
+              <a:t>6/6/2018</a:t>
             </a:fld>
             <a:endParaRPr lang="en-US"/>
           </a:p>
@@ -1855,7 +2296,7 @@
       </p:sp>
       <p:sp>
         <p:nvSpPr>
-          <p:cNvPr id="3" name="Footer Placeholder 2"/>
+          <p:cNvPr id="8" name="Footer Placeholder 7"/>
           <p:cNvSpPr>
             <a:spLocks noGrp="1"/>
           </p:cNvSpPr>
@@ -1866,7 +2307,15 @@
         <p:spPr/>
         <p:txBody>
           <a:bodyPr/>
-          <a:lstStyle/>
+          <a:lstStyle>
+            <a:lvl1pPr>
+              <a:defRPr>
+                <a:solidFill>
+                  <a:srgbClr val="FFFFFF"/>
+                </a:solidFill>
+              </a:defRPr>
+            </a:lvl1pPr>
+          </a:lstStyle>
           <a:p>
             <a:endParaRPr lang="en-US"/>
           </a:p>
@@ -1874,7 +2323,7 @@
       </p:sp>
       <p:sp>
         <p:nvSpPr>
-          <p:cNvPr id="4" name="Slide Number Placeholder 3"/>
+          <p:cNvPr id="9" name="Slide Number Placeholder 8"/>
           <p:cNvSpPr>
             <a:spLocks noGrp="1"/>
           </p:cNvSpPr>
@@ -1898,7 +2347,7 @@
     </p:spTree>
     <p:extLst>
       <p:ext uri="{BB962C8B-B14F-4D97-AF65-F5344CB8AC3E}">
-        <p14:creationId xmlns:p14="http://schemas.microsoft.com/office/powerpoint/2010/main" val="3303836569"/>
+        <p14:creationId xmlns:p14="http://schemas.microsoft.com/office/powerpoint/2010/main" val="2658940914"/>
       </p:ext>
     </p:extLst>
   </p:cSld>
@@ -1909,7 +2358,7 @@
 </file>
 
 <file path=ppt/slideLayouts/slideLayout8.xml><?xml version="1.0" encoding="utf-8"?>
-<p:sldLayout xmlns:a="http://schemas.openxmlformats.org/drawingml/2006/main" xmlns:r="http://schemas.openxmlformats.org/officeDocument/2006/relationships" xmlns:p="http://schemas.openxmlformats.org/presentationml/2006/main" type="objTx" preserve="1">
+<p:sldLayout xmlns:a="http://schemas.openxmlformats.org/drawingml/2006/main" xmlns:r="http://schemas.openxmlformats.org/officeDocument/2006/relationships" xmlns:p="http://schemas.openxmlformats.org/presentationml/2006/main" showMasterSp="0" type="objTx" preserve="1">
   <p:cSld name="Content with Caption">
     <p:spTree>
       <p:nvGrpSpPr>
@@ -1927,6 +2376,82 @@
       </p:grpSpPr>
       <p:sp>
         <p:nvSpPr>
+          <p:cNvPr id="8" name="Rectangle 7"/>
+          <p:cNvSpPr/>
+          <p:nvPr/>
+        </p:nvSpPr>
+        <p:spPr>
+          <a:xfrm>
+            <a:off x="16" y="0"/>
+            <a:ext cx="4050791" cy="6858000"/>
+          </a:xfrm>
+          <a:prstGeom prst="rect">
+            <a:avLst/>
+          </a:prstGeom>
+          <a:solidFill>
+            <a:schemeClr val="accent2"/>
+          </a:solidFill>
+          <a:ln>
+            <a:noFill/>
+          </a:ln>
+        </p:spPr>
+        <p:style>
+          <a:lnRef idx="2">
+            <a:schemeClr val="accent1">
+              <a:shade val="50000"/>
+            </a:schemeClr>
+          </a:lnRef>
+          <a:fillRef idx="1">
+            <a:schemeClr val="accent1"/>
+          </a:fillRef>
+          <a:effectRef idx="0">
+            <a:schemeClr val="accent1"/>
+          </a:effectRef>
+          <a:fontRef idx="minor">
+            <a:schemeClr val="lt1"/>
+          </a:fontRef>
+        </p:style>
+      </p:sp>
+      <p:sp>
+        <p:nvSpPr>
+          <p:cNvPr id="9" name="Rectangle 8"/>
+          <p:cNvSpPr/>
+          <p:nvPr/>
+        </p:nvSpPr>
+        <p:spPr>
+          <a:xfrm>
+            <a:off x="4040071" y="0"/>
+            <a:ext cx="64008" cy="6858000"/>
+          </a:xfrm>
+          <a:prstGeom prst="rect">
+            <a:avLst/>
+          </a:prstGeom>
+          <a:solidFill>
+            <a:schemeClr val="accent1"/>
+          </a:solidFill>
+          <a:ln>
+            <a:noFill/>
+          </a:ln>
+        </p:spPr>
+        <p:style>
+          <a:lnRef idx="2">
+            <a:schemeClr val="accent1">
+              <a:shade val="50000"/>
+            </a:schemeClr>
+          </a:lnRef>
+          <a:fillRef idx="1">
+            <a:schemeClr val="accent1"/>
+          </a:fillRef>
+          <a:effectRef idx="0">
+            <a:schemeClr val="accent1"/>
+          </a:effectRef>
+          <a:fontRef idx="minor">
+            <a:schemeClr val="lt1"/>
+          </a:fontRef>
+        </p:style>
+      </p:sp>
+      <p:sp>
+        <p:nvSpPr>
           <p:cNvPr id="2" name="Title 1"/>
           <p:cNvSpPr>
             <a:spLocks noGrp="1"/>
@@ -1937,15 +2462,21 @@
         </p:nvSpPr>
         <p:spPr>
           <a:xfrm>
-            <a:off x="839788" y="457200"/>
-            <a:ext cx="3932237" cy="1600200"/>
+            <a:off x="457200" y="594359"/>
+            <a:ext cx="3200400" cy="2286000"/>
           </a:xfrm>
         </p:spPr>
         <p:txBody>
-          <a:bodyPr anchor="b"/>
+          <a:bodyPr anchor="b">
+            <a:normAutofit/>
+          </a:bodyPr>
           <a:lstStyle>
             <a:lvl1pPr>
-              <a:defRPr sz="3200"/>
+              <a:defRPr sz="3600" b="0">
+                <a:solidFill>
+                  <a:srgbClr val="FFFFFF"/>
+                </a:solidFill>
+              </a:defRPr>
             </a:lvl1pPr>
           </a:lstStyle>
           <a:p>
@@ -1953,7 +2484,7 @@
               <a:rPr lang="en-US" smtClean="0"/>
               <a:t>Click to edit Master title style</a:t>
             </a:r>
-            <a:endParaRPr lang="en-US"/>
+            <a:endParaRPr lang="en-US" dirty="0"/>
           </a:p>
         </p:txBody>
       </p:sp>
@@ -1969,41 +2500,13 @@
         </p:nvSpPr>
         <p:spPr>
           <a:xfrm>
-            <a:off x="5183188" y="987425"/>
-            <a:ext cx="6172200" cy="4873625"/>
+            <a:off x="4800600" y="731520"/>
+            <a:ext cx="6492240" cy="5257800"/>
           </a:xfrm>
         </p:spPr>
         <p:txBody>
           <a:bodyPr/>
-          <a:lstStyle>
-            <a:lvl1pPr>
-              <a:defRPr sz="3200"/>
-            </a:lvl1pPr>
-            <a:lvl2pPr>
-              <a:defRPr sz="2800"/>
-            </a:lvl2pPr>
-            <a:lvl3pPr>
-              <a:defRPr sz="2400"/>
-            </a:lvl3pPr>
-            <a:lvl4pPr>
-              <a:defRPr sz="2000"/>
-            </a:lvl4pPr>
-            <a:lvl5pPr>
-              <a:defRPr sz="2000"/>
-            </a:lvl5pPr>
-            <a:lvl6pPr>
-              <a:defRPr sz="2000"/>
-            </a:lvl6pPr>
-            <a:lvl7pPr>
-              <a:defRPr sz="2000"/>
-            </a:lvl7pPr>
-            <a:lvl8pPr>
-              <a:defRPr sz="2000"/>
-            </a:lvl8pPr>
-            <a:lvl9pPr>
-              <a:defRPr sz="2000"/>
-            </a:lvl9pPr>
-          </a:lstStyle>
+          <a:lstStyle/>
           <a:p>
             <a:pPr lvl="0"/>
             <a:r>
@@ -2038,7 +2541,7 @@
               <a:rPr lang="en-US" smtClean="0"/>
               <a:t>Fifth level</a:t>
             </a:r>
-            <a:endParaRPr lang="en-US"/>
+            <a:endParaRPr lang="en-US" dirty="0"/>
           </a:p>
         </p:txBody>
       </p:sp>
@@ -2054,48 +2557,54 @@
         </p:nvSpPr>
         <p:spPr>
           <a:xfrm>
-            <a:off x="839788" y="2057400"/>
-            <a:ext cx="3932237" cy="3811588"/>
+            <a:off x="457200" y="2926080"/>
+            <a:ext cx="3200400" cy="3379124"/>
           </a:xfrm>
         </p:spPr>
         <p:txBody>
-          <a:bodyPr/>
+          <a:bodyPr lIns="91440" rIns="91440">
+            <a:normAutofit/>
+          </a:bodyPr>
           <a:lstStyle>
             <a:lvl1pPr marL="0" indent="0">
               <a:buNone/>
-              <a:defRPr sz="1600"/>
+              <a:defRPr sz="1500">
+                <a:solidFill>
+                  <a:srgbClr val="FFFFFF"/>
+                </a:solidFill>
+              </a:defRPr>
             </a:lvl1pPr>
             <a:lvl2pPr marL="457200" indent="0">
               <a:buNone/>
-              <a:defRPr sz="1400"/>
+              <a:defRPr sz="1200"/>
             </a:lvl2pPr>
             <a:lvl3pPr marL="914400" indent="0">
               <a:buNone/>
-              <a:defRPr sz="1200"/>
+              <a:defRPr sz="1000"/>
             </a:lvl3pPr>
             <a:lvl4pPr marL="1371600" indent="0">
               <a:buNone/>
-              <a:defRPr sz="1000"/>
+              <a:defRPr sz="900"/>
             </a:lvl4pPr>
             <a:lvl5pPr marL="1828800" indent="0">
               <a:buNone/>
-              <a:defRPr sz="1000"/>
+              <a:defRPr sz="900"/>
             </a:lvl5pPr>
             <a:lvl6pPr marL="2286000" indent="0">
               <a:buNone/>
-              <a:defRPr sz="1000"/>
+              <a:defRPr sz="900"/>
             </a:lvl6pPr>
             <a:lvl7pPr marL="2743200" indent="0">
               <a:buNone/>
-              <a:defRPr sz="1000"/>
+              <a:defRPr sz="900"/>
             </a:lvl7pPr>
             <a:lvl8pPr marL="3200400" indent="0">
               <a:buNone/>
-              <a:defRPr sz="1000"/>
+              <a:defRPr sz="900"/>
             </a:lvl8pPr>
             <a:lvl9pPr marL="3657600" indent="0">
               <a:buNone/>
-              <a:defRPr sz="1000"/>
+              <a:defRPr sz="900"/>
             </a:lvl9pPr>
           </a:lstStyle>
           <a:p>
@@ -2117,14 +2626,23 @@
             <p:ph type="dt" sz="half" idx="10"/>
           </p:nvPr>
         </p:nvSpPr>
-        <p:spPr/>
+        <p:spPr>
+          <a:xfrm>
+            <a:off x="465512" y="6459785"/>
+            <a:ext cx="2618510" cy="365125"/>
+          </a:xfrm>
+        </p:spPr>
         <p:txBody>
           <a:bodyPr/>
-          <a:lstStyle/>
+          <a:lstStyle>
+            <a:lvl1pPr algn="l">
+              <a:defRPr/>
+            </a:lvl1pPr>
+          </a:lstStyle>
           <a:p>
             <a:fld id="{C65B1D1D-32B5-4983-9D9F-621AAD57FB58}" type="datetimeFigureOut">
               <a:rPr lang="en-US" smtClean="0"/>
-              <a:t>4/26/2018</a:t>
+              <a:t>6/6/2018</a:t>
             </a:fld>
             <a:endParaRPr lang="en-US"/>
           </a:p>
@@ -2140,10 +2658,23 @@
             <p:ph type="ftr" sz="quarter" idx="11"/>
           </p:nvPr>
         </p:nvSpPr>
-        <p:spPr/>
+        <p:spPr>
+          <a:xfrm>
+            <a:off x="4800600" y="6459785"/>
+            <a:ext cx="4648200" cy="365125"/>
+          </a:xfrm>
+        </p:spPr>
         <p:txBody>
           <a:bodyPr/>
-          <a:lstStyle/>
+          <a:lstStyle>
+            <a:lvl1pPr algn="l">
+              <a:defRPr>
+                <a:solidFill>
+                  <a:schemeClr val="tx2"/>
+                </a:solidFill>
+              </a:defRPr>
+            </a:lvl1pPr>
+          </a:lstStyle>
           <a:p>
             <a:endParaRPr lang="en-US"/>
           </a:p>
@@ -2162,7 +2693,15 @@
         <p:spPr/>
         <p:txBody>
           <a:bodyPr/>
-          <a:lstStyle/>
+          <a:lstStyle>
+            <a:lvl1pPr>
+              <a:defRPr>
+                <a:solidFill>
+                  <a:schemeClr val="tx2"/>
+                </a:solidFill>
+              </a:defRPr>
+            </a:lvl1pPr>
+          </a:lstStyle>
           <a:p>
             <a:fld id="{719396E4-91C5-4232-B46F-A17CD32310F5}" type="slidenum">
               <a:rPr lang="en-US" smtClean="0"/>
@@ -2175,7 +2714,7 @@
     </p:spTree>
     <p:extLst>
       <p:ext uri="{BB962C8B-B14F-4D97-AF65-F5344CB8AC3E}">
-        <p14:creationId xmlns:p14="http://schemas.microsoft.com/office/powerpoint/2010/main" val="1558117316"/>
+        <p14:creationId xmlns:p14="http://schemas.microsoft.com/office/powerpoint/2010/main" val="2474567686"/>
       </p:ext>
     </p:extLst>
   </p:cSld>
@@ -2186,7 +2725,7 @@
 </file>
 
 <file path=ppt/slideLayouts/slideLayout9.xml><?xml version="1.0" encoding="utf-8"?>
-<p:sldLayout xmlns:a="http://schemas.openxmlformats.org/drawingml/2006/main" xmlns:r="http://schemas.openxmlformats.org/officeDocument/2006/relationships" xmlns:p="http://schemas.openxmlformats.org/presentationml/2006/main" type="picTx" preserve="1">
+<p:sldLayout xmlns:a="http://schemas.openxmlformats.org/drawingml/2006/main" xmlns:r="http://schemas.openxmlformats.org/officeDocument/2006/relationships" xmlns:p="http://schemas.openxmlformats.org/presentationml/2006/main" showMasterSp="0" type="picTx" preserve="1">
   <p:cSld name="Picture with Caption">
     <p:spTree>
       <p:nvGrpSpPr>
@@ -2204,6 +2743,82 @@
       </p:grpSpPr>
       <p:sp>
         <p:nvSpPr>
+          <p:cNvPr id="8" name="Rectangle 7"/>
+          <p:cNvSpPr/>
+          <p:nvPr/>
+        </p:nvSpPr>
+        <p:spPr>
+          <a:xfrm>
+            <a:off x="0" y="4953000"/>
+            <a:ext cx="12188825" cy="1905000"/>
+          </a:xfrm>
+          <a:prstGeom prst="rect">
+            <a:avLst/>
+          </a:prstGeom>
+          <a:solidFill>
+            <a:schemeClr val="accent2"/>
+          </a:solidFill>
+          <a:ln>
+            <a:noFill/>
+          </a:ln>
+        </p:spPr>
+        <p:style>
+          <a:lnRef idx="2">
+            <a:schemeClr val="accent1">
+              <a:shade val="50000"/>
+            </a:schemeClr>
+          </a:lnRef>
+          <a:fillRef idx="1">
+            <a:schemeClr val="accent1"/>
+          </a:fillRef>
+          <a:effectRef idx="0">
+            <a:schemeClr val="accent1"/>
+          </a:effectRef>
+          <a:fontRef idx="minor">
+            <a:schemeClr val="lt1"/>
+          </a:fontRef>
+        </p:style>
+      </p:sp>
+      <p:sp>
+        <p:nvSpPr>
+          <p:cNvPr id="9" name="Rectangle 8"/>
+          <p:cNvSpPr/>
+          <p:nvPr/>
+        </p:nvSpPr>
+        <p:spPr>
+          <a:xfrm>
+            <a:off x="15" y="4915076"/>
+            <a:ext cx="12188825" cy="64008"/>
+          </a:xfrm>
+          <a:prstGeom prst="rect">
+            <a:avLst/>
+          </a:prstGeom>
+          <a:solidFill>
+            <a:schemeClr val="accent1"/>
+          </a:solidFill>
+          <a:ln>
+            <a:noFill/>
+          </a:ln>
+        </p:spPr>
+        <p:style>
+          <a:lnRef idx="2">
+            <a:schemeClr val="accent1">
+              <a:shade val="50000"/>
+            </a:schemeClr>
+          </a:lnRef>
+          <a:fillRef idx="1">
+            <a:schemeClr val="accent1"/>
+          </a:fillRef>
+          <a:effectRef idx="0">
+            <a:schemeClr val="accent1"/>
+          </a:effectRef>
+          <a:fontRef idx="minor">
+            <a:schemeClr val="lt1"/>
+          </a:fontRef>
+        </p:style>
+      </p:sp>
+      <p:sp>
+        <p:nvSpPr>
           <p:cNvPr id="2" name="Title 1"/>
           <p:cNvSpPr>
             <a:spLocks noGrp="1"/>
@@ -2214,15 +2829,21 @@
         </p:nvSpPr>
         <p:spPr>
           <a:xfrm>
-            <a:off x="839788" y="457200"/>
-            <a:ext cx="3932237" cy="1600200"/>
+            <a:off x="1097280" y="5074920"/>
+            <a:ext cx="10113264" cy="822960"/>
           </a:xfrm>
         </p:spPr>
         <p:txBody>
-          <a:bodyPr anchor="b"/>
+          <a:bodyPr lIns="91440" tIns="0" rIns="91440" bIns="0" anchor="b">
+            <a:noAutofit/>
+          </a:bodyPr>
           <a:lstStyle>
             <a:lvl1pPr>
-              <a:defRPr sz="3200"/>
+              <a:defRPr sz="3600" b="0">
+                <a:solidFill>
+                  <a:srgbClr val="FFFFFF"/>
+                </a:solidFill>
+              </a:defRPr>
             </a:lvl1pPr>
           </a:lstStyle>
           <a:p>
@@ -2230,7 +2851,7 @@
               <a:rPr lang="en-US" smtClean="0"/>
               <a:t>Click to edit Master title style</a:t>
             </a:r>
-            <a:endParaRPr lang="en-US"/>
+            <a:endParaRPr lang="en-US" dirty="0"/>
           </a:p>
         </p:txBody>
       </p:sp>
@@ -2238,7 +2859,7 @@
         <p:nvSpPr>
           <p:cNvPr id="3" name="Picture Placeholder 2"/>
           <p:cNvSpPr>
-            <a:spLocks noGrp="1"/>
+            <a:spLocks noGrp="1" noChangeAspect="1"/>
           </p:cNvSpPr>
           <p:nvPr>
             <p:ph type="pic" idx="1"/>
@@ -2246,16 +2867,26 @@
         </p:nvSpPr>
         <p:spPr>
           <a:xfrm>
-            <a:off x="5183188" y="987425"/>
-            <a:ext cx="6172200" cy="4873625"/>
+            <a:off x="15" y="0"/>
+            <a:ext cx="12191985" cy="4915076"/>
           </a:xfrm>
+          <a:blipFill>
+            <a:blip r:embed="rId2"/>
+            <a:stretch>
+              <a:fillRect/>
+            </a:stretch>
+          </a:blipFill>
         </p:spPr>
         <p:txBody>
-          <a:bodyPr/>
+          <a:bodyPr lIns="457200" tIns="457200" anchor="t"/>
           <a:lstStyle>
             <a:lvl1pPr marL="0" indent="0">
               <a:buNone/>
-              <a:defRPr sz="3200"/>
+              <a:defRPr sz="3200">
+                <a:solidFill>
+                  <a:schemeClr val="bg1"/>
+                </a:solidFill>
+              </a:defRPr>
             </a:lvl1pPr>
             <a:lvl2pPr marL="457200" indent="0">
               <a:buNone/>
@@ -2291,7 +2922,11 @@
             </a:lvl9pPr>
           </a:lstStyle>
           <a:p>
-            <a:endParaRPr lang="en-US"/>
+            <a:r>
+              <a:rPr lang="en-US" smtClean="0"/>
+              <a:t>Click icon to add picture</a:t>
+            </a:r>
+            <a:endParaRPr lang="en-US" dirty="0"/>
           </a:p>
         </p:txBody>
       </p:sp>
@@ -2307,48 +2942,60 @@
         </p:nvSpPr>
         <p:spPr>
           <a:xfrm>
-            <a:off x="839788" y="2057400"/>
-            <a:ext cx="3932237" cy="3811588"/>
+            <a:off x="1097280" y="5907023"/>
+            <a:ext cx="10113264" cy="594360"/>
           </a:xfrm>
         </p:spPr>
         <p:txBody>
-          <a:bodyPr/>
+          <a:bodyPr lIns="91440" tIns="0" rIns="91440" bIns="0">
+            <a:normAutofit/>
+          </a:bodyPr>
           <a:lstStyle>
             <a:lvl1pPr marL="0" indent="0">
+              <a:spcBef>
+                <a:spcPts val="0"/>
+              </a:spcBef>
+              <a:spcAft>
+                <a:spcPts val="600"/>
+              </a:spcAft>
               <a:buNone/>
-              <a:defRPr sz="1600"/>
+              <a:defRPr sz="1500">
+                <a:solidFill>
+                  <a:srgbClr val="FFFFFF"/>
+                </a:solidFill>
+              </a:defRPr>
             </a:lvl1pPr>
             <a:lvl2pPr marL="457200" indent="0">
               <a:buNone/>
-              <a:defRPr sz="1400"/>
+              <a:defRPr sz="1200"/>
             </a:lvl2pPr>
             <a:lvl3pPr marL="914400" indent="0">
               <a:buNone/>
-              <a:defRPr sz="1200"/>
+              <a:defRPr sz="1000"/>
             </a:lvl3pPr>
             <a:lvl4pPr marL="1371600" indent="0">
               <a:buNone/>
-              <a:defRPr sz="1000"/>
+              <a:defRPr sz="900"/>
             </a:lvl4pPr>
             <a:lvl5pPr marL="1828800" indent="0">
               <a:buNone/>
-              <a:defRPr sz="1000"/>
+              <a:defRPr sz="900"/>
             </a:lvl5pPr>
             <a:lvl6pPr marL="2286000" indent="0">
               <a:buNone/>
-              <a:defRPr sz="1000"/>
+              <a:defRPr sz="900"/>
             </a:lvl6pPr>
             <a:lvl7pPr marL="2743200" indent="0">
               <a:buNone/>
-              <a:defRPr sz="1000"/>
+              <a:defRPr sz="900"/>
             </a:lvl7pPr>
             <a:lvl8pPr marL="3200400" indent="0">
               <a:buNone/>
-              <a:defRPr sz="1000"/>
+              <a:defRPr sz="900"/>
             </a:lvl8pPr>
             <a:lvl9pPr marL="3657600" indent="0">
               <a:buNone/>
-              <a:defRPr sz="1000"/>
+              <a:defRPr sz="900"/>
             </a:lvl9pPr>
           </a:lstStyle>
           <a:p>
@@ -2377,7 +3024,7 @@
           <a:p>
             <a:fld id="{C65B1D1D-32B5-4983-9D9F-621AAD57FB58}" type="datetimeFigureOut">
               <a:rPr lang="en-US" smtClean="0"/>
-              <a:t>4/26/2018</a:t>
+              <a:t>6/6/2018</a:t>
             </a:fld>
             <a:endParaRPr lang="en-US"/>
           </a:p>
@@ -2428,7 +3075,7 @@
     </p:spTree>
     <p:extLst>
       <p:ext uri="{BB962C8B-B14F-4D97-AF65-F5344CB8AC3E}">
-        <p14:creationId xmlns:p14="http://schemas.microsoft.com/office/powerpoint/2010/main" val="960988724"/>
+        <p14:creationId xmlns:p14="http://schemas.microsoft.com/office/powerpoint/2010/main" val="1707235026"/>
       </p:ext>
     </p:extLst>
   </p:cSld>
@@ -2462,6 +3109,82 @@
       </p:grpSpPr>
       <p:sp>
         <p:nvSpPr>
+          <p:cNvPr id="7" name="Rectangle 6"/>
+          <p:cNvSpPr/>
+          <p:nvPr/>
+        </p:nvSpPr>
+        <p:spPr>
+          <a:xfrm>
+            <a:off x="1" y="6400800"/>
+            <a:ext cx="12192000" cy="457200"/>
+          </a:xfrm>
+          <a:prstGeom prst="rect">
+            <a:avLst/>
+          </a:prstGeom>
+          <a:solidFill>
+            <a:schemeClr val="accent2"/>
+          </a:solidFill>
+          <a:ln>
+            <a:noFill/>
+          </a:ln>
+        </p:spPr>
+        <p:style>
+          <a:lnRef idx="2">
+            <a:schemeClr val="accent1">
+              <a:shade val="50000"/>
+            </a:schemeClr>
+          </a:lnRef>
+          <a:fillRef idx="1">
+            <a:schemeClr val="accent1"/>
+          </a:fillRef>
+          <a:effectRef idx="0">
+            <a:schemeClr val="accent1"/>
+          </a:effectRef>
+          <a:fontRef idx="minor">
+            <a:schemeClr val="lt1"/>
+          </a:fontRef>
+        </p:style>
+      </p:sp>
+      <p:sp>
+        <p:nvSpPr>
+          <p:cNvPr id="9" name="Rectangle 8"/>
+          <p:cNvSpPr/>
+          <p:nvPr/>
+        </p:nvSpPr>
+        <p:spPr>
+          <a:xfrm>
+            <a:off x="0" y="6334316"/>
+            <a:ext cx="12192001" cy="65998"/>
+          </a:xfrm>
+          <a:prstGeom prst="rect">
+            <a:avLst/>
+          </a:prstGeom>
+          <a:solidFill>
+            <a:schemeClr val="accent1"/>
+          </a:solidFill>
+          <a:ln>
+            <a:noFill/>
+          </a:ln>
+        </p:spPr>
+        <p:style>
+          <a:lnRef idx="2">
+            <a:schemeClr val="accent1">
+              <a:shade val="50000"/>
+            </a:schemeClr>
+          </a:lnRef>
+          <a:fillRef idx="1">
+            <a:schemeClr val="accent1"/>
+          </a:fillRef>
+          <a:effectRef idx="0">
+            <a:schemeClr val="accent1"/>
+          </a:effectRef>
+          <a:fontRef idx="minor">
+            <a:schemeClr val="lt1"/>
+          </a:fontRef>
+        </p:style>
+      </p:sp>
+      <p:sp>
+        <p:nvSpPr>
           <p:cNvPr id="2" name="Title Placeholder 1"/>
           <p:cNvSpPr>
             <a:spLocks noGrp="1"/>
@@ -2472,15 +3195,15 @@
         </p:nvSpPr>
         <p:spPr>
           <a:xfrm>
-            <a:off x="838200" y="365125"/>
-            <a:ext cx="10515600" cy="1325563"/>
+            <a:off x="1097280" y="286603"/>
+            <a:ext cx="10058400" cy="1450757"/>
           </a:xfrm>
           <a:prstGeom prst="rect">
             <a:avLst/>
           </a:prstGeom>
         </p:spPr>
         <p:txBody>
-          <a:bodyPr vert="horz" lIns="91440" tIns="45720" rIns="91440" bIns="45720" rtlCol="0" anchor="ctr">
+          <a:bodyPr vert="horz" lIns="91440" tIns="45720" rIns="91440" bIns="45720" rtlCol="0" anchor="b">
             <a:normAutofit/>
           </a:bodyPr>
           <a:lstStyle/>
@@ -2489,7 +3212,7 @@
               <a:rPr lang="en-US" smtClean="0"/>
               <a:t>Click to edit Master title style</a:t>
             </a:r>
-            <a:endParaRPr lang="en-US"/>
+            <a:endParaRPr lang="en-US" dirty="0"/>
           </a:p>
         </p:txBody>
       </p:sp>
@@ -2505,15 +3228,15 @@
         </p:nvSpPr>
         <p:spPr>
           <a:xfrm>
-            <a:off x="838200" y="1825625"/>
-            <a:ext cx="10515600" cy="4351338"/>
+            <a:off x="1097280" y="1845734"/>
+            <a:ext cx="10058400" cy="4023360"/>
           </a:xfrm>
           <a:prstGeom prst="rect">
             <a:avLst/>
           </a:prstGeom>
         </p:spPr>
         <p:txBody>
-          <a:bodyPr vert="horz" lIns="91440" tIns="45720" rIns="91440" bIns="45720" rtlCol="0">
+          <a:bodyPr vert="horz" lIns="0" tIns="45720" rIns="0" bIns="45720" rtlCol="0">
             <a:normAutofit/>
           </a:bodyPr>
           <a:lstStyle/>
@@ -2551,7 +3274,7 @@
               <a:rPr lang="en-US" smtClean="0"/>
               <a:t>Fifth level</a:t>
             </a:r>
-            <a:endParaRPr lang="en-US"/>
+            <a:endParaRPr lang="en-US" dirty="0"/>
           </a:p>
         </p:txBody>
       </p:sp>
@@ -2567,8 +3290,8 @@
         </p:nvSpPr>
         <p:spPr>
           <a:xfrm>
-            <a:off x="838200" y="6356350"/>
-            <a:ext cx="2743200" cy="365125"/>
+            <a:off x="1097280" y="6459785"/>
+            <a:ext cx="2472271" cy="365125"/>
           </a:xfrm>
           <a:prstGeom prst="rect">
             <a:avLst/>
@@ -2578,11 +3301,9 @@
           <a:bodyPr vert="horz" lIns="91440" tIns="45720" rIns="91440" bIns="45720" rtlCol="0" anchor="ctr"/>
           <a:lstStyle>
             <a:lvl1pPr algn="l">
-              <a:defRPr sz="1200">
+              <a:defRPr sz="900">
                 <a:solidFill>
-                  <a:schemeClr val="tx1">
-                    <a:tint val="75000"/>
-                  </a:schemeClr>
+                  <a:srgbClr val="FFFFFF"/>
                 </a:solidFill>
               </a:defRPr>
             </a:lvl1pPr>
@@ -2590,7 +3311,7 @@
           <a:p>
             <a:fld id="{C65B1D1D-32B5-4983-9D9F-621AAD57FB58}" type="datetimeFigureOut">
               <a:rPr lang="en-US" smtClean="0"/>
-              <a:t>4/26/2018</a:t>
+              <a:t>6/6/2018</a:t>
             </a:fld>
             <a:endParaRPr lang="en-US"/>
           </a:p>
@@ -2608,8 +3329,8 @@
         </p:nvSpPr>
         <p:spPr>
           <a:xfrm>
-            <a:off x="4038600" y="6356350"/>
-            <a:ext cx="4114800" cy="365125"/>
+            <a:off x="3686185" y="6459785"/>
+            <a:ext cx="4822804" cy="365125"/>
           </a:xfrm>
           <a:prstGeom prst="rect">
             <a:avLst/>
@@ -2619,11 +3340,9 @@
           <a:bodyPr vert="horz" lIns="91440" tIns="45720" rIns="91440" bIns="45720" rtlCol="0" anchor="ctr"/>
           <a:lstStyle>
             <a:lvl1pPr algn="ctr">
-              <a:defRPr sz="1200">
+              <a:defRPr sz="900" cap="all" baseline="0">
                 <a:solidFill>
-                  <a:schemeClr val="tx1">
-                    <a:tint val="75000"/>
-                  </a:schemeClr>
+                  <a:srgbClr val="FFFFFF"/>
                 </a:solidFill>
               </a:defRPr>
             </a:lvl1pPr>
@@ -2645,8 +3364,8 @@
         </p:nvSpPr>
         <p:spPr>
           <a:xfrm>
-            <a:off x="8610600" y="6356350"/>
-            <a:ext cx="2743200" cy="365125"/>
+            <a:off x="9900458" y="6459785"/>
+            <a:ext cx="1312025" cy="365125"/>
           </a:xfrm>
           <a:prstGeom prst="rect">
             <a:avLst/>
@@ -2656,11 +3375,9 @@
           <a:bodyPr vert="horz" lIns="91440" tIns="45720" rIns="91440" bIns="45720" rtlCol="0" anchor="ctr"/>
           <a:lstStyle>
             <a:lvl1pPr algn="r">
-              <a:defRPr sz="1200">
+              <a:defRPr sz="1050">
                 <a:solidFill>
-                  <a:schemeClr val="tx1">
-                    <a:tint val="75000"/>
-                  </a:schemeClr>
+                  <a:srgbClr val="FFFFFF"/>
                 </a:solidFill>
               </a:defRPr>
             </a:lvl1pPr>
@@ -2674,40 +3391,81 @@
           </a:p>
         </p:txBody>
       </p:sp>
+      <p:cxnSp>
+        <p:nvCxnSpPr>
+          <p:cNvPr id="10" name="Straight Connector 9"/>
+          <p:cNvCxnSpPr/>
+          <p:nvPr/>
+        </p:nvCxnSpPr>
+        <p:spPr>
+          <a:xfrm>
+            <a:off x="1193532" y="1737845"/>
+            <a:ext cx="9966960" cy="0"/>
+          </a:xfrm>
+          <a:prstGeom prst="line">
+            <a:avLst/>
+          </a:prstGeom>
+          <a:ln w="6350">
+            <a:solidFill>
+              <a:schemeClr val="tx1">
+                <a:lumMod val="50000"/>
+                <a:lumOff val="50000"/>
+              </a:schemeClr>
+            </a:solidFill>
+          </a:ln>
+        </p:spPr>
+        <p:style>
+          <a:lnRef idx="1">
+            <a:schemeClr val="accent1"/>
+          </a:lnRef>
+          <a:fillRef idx="0">
+            <a:schemeClr val="accent1"/>
+          </a:fillRef>
+          <a:effectRef idx="0">
+            <a:schemeClr val="accent1"/>
+          </a:effectRef>
+          <a:fontRef idx="minor">
+            <a:schemeClr val="tx1"/>
+          </a:fontRef>
+        </p:style>
+      </p:cxnSp>
     </p:spTree>
     <p:extLst>
       <p:ext uri="{BB962C8B-B14F-4D97-AF65-F5344CB8AC3E}">
-        <p14:creationId xmlns:p14="http://schemas.microsoft.com/office/powerpoint/2010/main" val="3922451823"/>
+        <p14:creationId xmlns:p14="http://schemas.microsoft.com/office/powerpoint/2010/main" val="158570947"/>
       </p:ext>
     </p:extLst>
   </p:cSld>
   <p:clrMap bg1="lt1" tx1="dk1" bg2="lt2" tx2="dk2" accent1="accent1" accent2="accent2" accent3="accent3" accent4="accent4" accent5="accent5" accent6="accent6" hlink="hlink" folHlink="folHlink"/>
   <p:sldLayoutIdLst>
-    <p:sldLayoutId id="2147483649" r:id="rId1"/>
-    <p:sldLayoutId id="2147483650" r:id="rId2"/>
-    <p:sldLayoutId id="2147483651" r:id="rId3"/>
-    <p:sldLayoutId id="2147483652" r:id="rId4"/>
-    <p:sldLayoutId id="2147483653" r:id="rId5"/>
-    <p:sldLayoutId id="2147483654" r:id="rId6"/>
-    <p:sldLayoutId id="2147483655" r:id="rId7"/>
-    <p:sldLayoutId id="2147483656" r:id="rId8"/>
-    <p:sldLayoutId id="2147483657" r:id="rId9"/>
-    <p:sldLayoutId id="2147483658" r:id="rId10"/>
-    <p:sldLayoutId id="2147483659" r:id="rId11"/>
+    <p:sldLayoutId id="2147483661" r:id="rId1"/>
+    <p:sldLayoutId id="2147483662" r:id="rId2"/>
+    <p:sldLayoutId id="2147483663" r:id="rId3"/>
+    <p:sldLayoutId id="2147483664" r:id="rId4"/>
+    <p:sldLayoutId id="2147483665" r:id="rId5"/>
+    <p:sldLayoutId id="2147483666" r:id="rId6"/>
+    <p:sldLayoutId id="2147483667" r:id="rId7"/>
+    <p:sldLayoutId id="2147483668" r:id="rId8"/>
+    <p:sldLayoutId id="2147483669" r:id="rId9"/>
+    <p:sldLayoutId id="2147483670" r:id="rId10"/>
+    <p:sldLayoutId id="2147483671" r:id="rId11"/>
   </p:sldLayoutIdLst>
   <p:txStyles>
     <p:titleStyle>
       <a:lvl1pPr algn="l" defTabSz="914400" rtl="0" eaLnBrk="1" latinLnBrk="0" hangingPunct="1">
         <a:lnSpc>
-          <a:spcPct val="90000"/>
+          <a:spcPct val="85000"/>
         </a:lnSpc>
         <a:spcBef>
           <a:spcPct val="0"/>
         </a:spcBef>
         <a:buNone/>
-        <a:defRPr sz="4400" kern="1200">
+        <a:defRPr sz="4800" kern="1200" spc="-50" baseline="0">
           <a:solidFill>
-            <a:schemeClr val="tx1"/>
+            <a:schemeClr val="tx1">
+              <a:lumMod val="75000"/>
+              <a:lumOff val="25000"/>
+            </a:schemeClr>
           </a:solidFill>
           <a:latin typeface="+mj-lt"/>
           <a:ea typeface="+mj-ea"/>
@@ -2716,162 +3474,244 @@
       </a:lvl1pPr>
     </p:titleStyle>
     <p:bodyStyle>
-      <a:lvl1pPr marL="228600" indent="-228600" algn="l" defTabSz="914400" rtl="0" eaLnBrk="1" latinLnBrk="0" hangingPunct="1">
+      <a:lvl1pPr marL="91440" indent="-91440" algn="l" defTabSz="914400" rtl="0" eaLnBrk="1" latinLnBrk="0" hangingPunct="1">
         <a:lnSpc>
           <a:spcPct val="90000"/>
         </a:lnSpc>
         <a:spcBef>
-          <a:spcPts val="1000"/>
+          <a:spcPts val="1200"/>
         </a:spcBef>
-        <a:buFont typeface="Arial" panose="020B0604020202020204" pitchFamily="34" charset="0"/>
-        <a:buChar char="•"/>
-        <a:defRPr sz="2800" kern="1200">
+        <a:spcAft>
+          <a:spcPts val="200"/>
+        </a:spcAft>
+        <a:buClr>
+          <a:schemeClr val="accent1"/>
+        </a:buClr>
+        <a:buSzPct val="100000"/>
+        <a:buFont typeface="Calibri" panose="020F0502020204030204" pitchFamily="34" charset="0"/>
+        <a:buChar char=" "/>
+        <a:defRPr sz="2000" kern="1200">
           <a:solidFill>
-            <a:schemeClr val="tx1"/>
+            <a:schemeClr val="tx1">
+              <a:lumMod val="75000"/>
+              <a:lumOff val="25000"/>
+            </a:schemeClr>
           </a:solidFill>
           <a:latin typeface="+mn-lt"/>
           <a:ea typeface="+mn-ea"/>
           <a:cs typeface="+mn-cs"/>
         </a:defRPr>
       </a:lvl1pPr>
-      <a:lvl2pPr marL="685800" indent="-228600" algn="l" defTabSz="914400" rtl="0" eaLnBrk="1" latinLnBrk="0" hangingPunct="1">
+      <a:lvl2pPr marL="384048" indent="-182880" algn="l" defTabSz="914400" rtl="0" eaLnBrk="1" latinLnBrk="0" hangingPunct="1">
         <a:lnSpc>
           <a:spcPct val="90000"/>
         </a:lnSpc>
         <a:spcBef>
-          <a:spcPts val="500"/>
+          <a:spcPts val="200"/>
         </a:spcBef>
-        <a:buFont typeface="Arial" panose="020B0604020202020204" pitchFamily="34" charset="0"/>
-        <a:buChar char="•"/>
-        <a:defRPr sz="2400" kern="1200">
+        <a:spcAft>
+          <a:spcPts val="400"/>
+        </a:spcAft>
+        <a:buClr>
+          <a:schemeClr val="accent1"/>
+        </a:buClr>
+        <a:buFont typeface="Calibri" pitchFamily="34" charset="0"/>
+        <a:buChar char="◦"/>
+        <a:defRPr sz="1800" kern="1200">
           <a:solidFill>
-            <a:schemeClr val="tx1"/>
+            <a:schemeClr val="tx1">
+              <a:lumMod val="75000"/>
+              <a:lumOff val="25000"/>
+            </a:schemeClr>
           </a:solidFill>
           <a:latin typeface="+mn-lt"/>
           <a:ea typeface="+mn-ea"/>
           <a:cs typeface="+mn-cs"/>
         </a:defRPr>
       </a:lvl2pPr>
-      <a:lvl3pPr marL="1143000" indent="-228600" algn="l" defTabSz="914400" rtl="0" eaLnBrk="1" latinLnBrk="0" hangingPunct="1">
+      <a:lvl3pPr marL="566928" indent="-182880" algn="l" defTabSz="914400" rtl="0" eaLnBrk="1" latinLnBrk="0" hangingPunct="1">
         <a:lnSpc>
           <a:spcPct val="90000"/>
         </a:lnSpc>
         <a:spcBef>
-          <a:spcPts val="500"/>
+          <a:spcPts val="200"/>
         </a:spcBef>
-        <a:buFont typeface="Arial" panose="020B0604020202020204" pitchFamily="34" charset="0"/>
-        <a:buChar char="•"/>
-        <a:defRPr sz="2000" kern="1200">
+        <a:spcAft>
+          <a:spcPts val="400"/>
+        </a:spcAft>
+        <a:buClr>
+          <a:schemeClr val="accent1"/>
+        </a:buClr>
+        <a:buFont typeface="Calibri" pitchFamily="34" charset="0"/>
+        <a:buChar char="◦"/>
+        <a:defRPr sz="1400" kern="1200">
           <a:solidFill>
-            <a:schemeClr val="tx1"/>
+            <a:schemeClr val="tx1">
+              <a:lumMod val="75000"/>
+              <a:lumOff val="25000"/>
+            </a:schemeClr>
           </a:solidFill>
           <a:latin typeface="+mn-lt"/>
           <a:ea typeface="+mn-ea"/>
           <a:cs typeface="+mn-cs"/>
         </a:defRPr>
       </a:lvl3pPr>
-      <a:lvl4pPr marL="1600200" indent="-228600" algn="l" defTabSz="914400" rtl="0" eaLnBrk="1" latinLnBrk="0" hangingPunct="1">
+      <a:lvl4pPr marL="749808" indent="-182880" algn="l" defTabSz="914400" rtl="0" eaLnBrk="1" latinLnBrk="0" hangingPunct="1">
         <a:lnSpc>
           <a:spcPct val="90000"/>
         </a:lnSpc>
         <a:spcBef>
-          <a:spcPts val="500"/>
+          <a:spcPts val="200"/>
         </a:spcBef>
-        <a:buFont typeface="Arial" panose="020B0604020202020204" pitchFamily="34" charset="0"/>
-        <a:buChar char="•"/>
-        <a:defRPr sz="1800" kern="1200">
+        <a:spcAft>
+          <a:spcPts val="400"/>
+        </a:spcAft>
+        <a:buClr>
+          <a:schemeClr val="accent1"/>
+        </a:buClr>
+        <a:buFont typeface="Calibri" pitchFamily="34" charset="0"/>
+        <a:buChar char="◦"/>
+        <a:defRPr sz="1400" kern="1200">
           <a:solidFill>
-            <a:schemeClr val="tx1"/>
+            <a:schemeClr val="tx1">
+              <a:lumMod val="75000"/>
+              <a:lumOff val="25000"/>
+            </a:schemeClr>
           </a:solidFill>
           <a:latin typeface="+mn-lt"/>
           <a:ea typeface="+mn-ea"/>
           <a:cs typeface="+mn-cs"/>
         </a:defRPr>
       </a:lvl4pPr>
-      <a:lvl5pPr marL="2057400" indent="-228600" algn="l" defTabSz="914400" rtl="0" eaLnBrk="1" latinLnBrk="0" hangingPunct="1">
+      <a:lvl5pPr marL="932688" indent="-182880" algn="l" defTabSz="914400" rtl="0" eaLnBrk="1" latinLnBrk="0" hangingPunct="1">
         <a:lnSpc>
           <a:spcPct val="90000"/>
         </a:lnSpc>
         <a:spcBef>
-          <a:spcPts val="500"/>
+          <a:spcPts val="200"/>
         </a:spcBef>
-        <a:buFont typeface="Arial" panose="020B0604020202020204" pitchFamily="34" charset="0"/>
-        <a:buChar char="•"/>
-        <a:defRPr sz="1800" kern="1200">
+        <a:spcAft>
+          <a:spcPts val="400"/>
+        </a:spcAft>
+        <a:buClr>
+          <a:schemeClr val="accent1"/>
+        </a:buClr>
+        <a:buFont typeface="Calibri" pitchFamily="34" charset="0"/>
+        <a:buChar char="◦"/>
+        <a:defRPr sz="1400" kern="1200">
           <a:solidFill>
-            <a:schemeClr val="tx1"/>
+            <a:schemeClr val="tx1">
+              <a:lumMod val="75000"/>
+              <a:lumOff val="25000"/>
+            </a:schemeClr>
           </a:solidFill>
           <a:latin typeface="+mn-lt"/>
           <a:ea typeface="+mn-ea"/>
           <a:cs typeface="+mn-cs"/>
         </a:defRPr>
       </a:lvl5pPr>
-      <a:lvl6pPr marL="2514600" indent="-228600" algn="l" defTabSz="914400" rtl="0" eaLnBrk="1" latinLnBrk="0" hangingPunct="1">
+      <a:lvl6pPr marL="1100000" indent="-228600" algn="l" defTabSz="914400" rtl="0" eaLnBrk="1" latinLnBrk="0" hangingPunct="1">
         <a:lnSpc>
           <a:spcPct val="90000"/>
         </a:lnSpc>
         <a:spcBef>
-          <a:spcPts val="500"/>
+          <a:spcPts val="200"/>
         </a:spcBef>
-        <a:buFont typeface="Arial" panose="020B0604020202020204" pitchFamily="34" charset="0"/>
-        <a:buChar char="•"/>
-        <a:defRPr sz="1800" kern="1200">
+        <a:spcAft>
+          <a:spcPts val="400"/>
+        </a:spcAft>
+        <a:buClr>
+          <a:schemeClr val="accent1"/>
+        </a:buClr>
+        <a:buFont typeface="Calibri" pitchFamily="34" charset="0"/>
+        <a:buChar char="◦"/>
+        <a:defRPr sz="1400" kern="1200">
           <a:solidFill>
-            <a:schemeClr val="tx1"/>
+            <a:schemeClr val="tx1">
+              <a:lumMod val="75000"/>
+              <a:lumOff val="25000"/>
+            </a:schemeClr>
           </a:solidFill>
           <a:latin typeface="+mn-lt"/>
           <a:ea typeface="+mn-ea"/>
           <a:cs typeface="+mn-cs"/>
         </a:defRPr>
       </a:lvl6pPr>
-      <a:lvl7pPr marL="2971800" indent="-228600" algn="l" defTabSz="914400" rtl="0" eaLnBrk="1" latinLnBrk="0" hangingPunct="1">
+      <a:lvl7pPr marL="1300000" indent="-228600" algn="l" defTabSz="914400" rtl="0" eaLnBrk="1" latinLnBrk="0" hangingPunct="1">
         <a:lnSpc>
           <a:spcPct val="90000"/>
         </a:lnSpc>
         <a:spcBef>
-          <a:spcPts val="500"/>
+          <a:spcPts val="200"/>
         </a:spcBef>
-        <a:buFont typeface="Arial" panose="020B0604020202020204" pitchFamily="34" charset="0"/>
-        <a:buChar char="•"/>
-        <a:defRPr sz="1800" kern="1200">
+        <a:spcAft>
+          <a:spcPts val="400"/>
+        </a:spcAft>
+        <a:buClr>
+          <a:schemeClr val="accent1"/>
+        </a:buClr>
+        <a:buFont typeface="Calibri" pitchFamily="34" charset="0"/>
+        <a:buChar char="◦"/>
+        <a:defRPr sz="1400" kern="1200">
           <a:solidFill>
-            <a:schemeClr val="tx1"/>
+            <a:schemeClr val="tx1">
+              <a:lumMod val="75000"/>
+              <a:lumOff val="25000"/>
+            </a:schemeClr>
           </a:solidFill>
           <a:latin typeface="+mn-lt"/>
           <a:ea typeface="+mn-ea"/>
           <a:cs typeface="+mn-cs"/>
         </a:defRPr>
       </a:lvl7pPr>
-      <a:lvl8pPr marL="3429000" indent="-228600" algn="l" defTabSz="914400" rtl="0" eaLnBrk="1" latinLnBrk="0" hangingPunct="1">
+      <a:lvl8pPr marL="1500000" indent="-228600" algn="l" defTabSz="914400" rtl="0" eaLnBrk="1" latinLnBrk="0" hangingPunct="1">
         <a:lnSpc>
           <a:spcPct val="90000"/>
         </a:lnSpc>
         <a:spcBef>
-          <a:spcPts val="500"/>
+          <a:spcPts val="200"/>
         </a:spcBef>
-        <a:buFont typeface="Arial" panose="020B0604020202020204" pitchFamily="34" charset="0"/>
-        <a:buChar char="•"/>
-        <a:defRPr sz="1800" kern="1200">
+        <a:spcAft>
+          <a:spcPts val="400"/>
+        </a:spcAft>
+        <a:buClr>
+          <a:schemeClr val="accent1"/>
+        </a:buClr>
+        <a:buFont typeface="Calibri" pitchFamily="34" charset="0"/>
+        <a:buChar char="◦"/>
+        <a:defRPr sz="1400" kern="1200">
           <a:solidFill>
-            <a:schemeClr val="tx1"/>
+            <a:schemeClr val="tx1">
+              <a:lumMod val="75000"/>
+              <a:lumOff val="25000"/>
+            </a:schemeClr>
           </a:solidFill>
           <a:latin typeface="+mn-lt"/>
           <a:ea typeface="+mn-ea"/>
           <a:cs typeface="+mn-cs"/>
         </a:defRPr>
       </a:lvl8pPr>
-      <a:lvl9pPr marL="3886200" indent="-228600" algn="l" defTabSz="914400" rtl="0" eaLnBrk="1" latinLnBrk="0" hangingPunct="1">
+      <a:lvl9pPr marL="1700000" indent="-228600" algn="l" defTabSz="914400" rtl="0" eaLnBrk="1" latinLnBrk="0" hangingPunct="1">
         <a:lnSpc>
           <a:spcPct val="90000"/>
         </a:lnSpc>
         <a:spcBef>
-          <a:spcPts val="500"/>
+          <a:spcPts val="200"/>
         </a:spcBef>
-        <a:buFont typeface="Arial" panose="020B0604020202020204" pitchFamily="34" charset="0"/>
-        <a:buChar char="•"/>
-        <a:defRPr sz="1800" kern="1200">
+        <a:spcAft>
+          <a:spcPts val="400"/>
+        </a:spcAft>
+        <a:buClr>
+          <a:schemeClr val="accent1"/>
+        </a:buClr>
+        <a:buFont typeface="Calibri" pitchFamily="34" charset="0"/>
+        <a:buChar char="◦"/>
+        <a:defRPr sz="1400" kern="1200">
           <a:solidFill>
-            <a:schemeClr val="tx1"/>
+            <a:schemeClr val="tx1">
+              <a:lumMod val="75000"/>
+              <a:lumOff val="25000"/>
+            </a:schemeClr>
           </a:solidFill>
           <a:latin typeface="+mn-lt"/>
           <a:ea typeface="+mn-ea"/>
@@ -6118,8 +6958,8 @@
           </a:p>
         </p:txBody>
       </p:sp>
-      <mc:AlternateContent xmlns:mc="http://schemas.openxmlformats.org/markup-compatibility/2006">
-        <mc:Choice xmlns:a14="http://schemas.microsoft.com/office/drawing/2010/main" Requires="a14">
+      <mc:AlternateContent xmlns:mc="http://schemas.openxmlformats.org/markup-compatibility/2006" xmlns:a14="http://schemas.microsoft.com/office/drawing/2010/main">
+        <mc:Choice Requires="a14">
           <p:sp>
             <p:nvSpPr>
               <p:cNvPr id="3" name="Content Placeholder 2"/>
@@ -6379,7 +7219,7 @@
             </p:txBody>
           </p:sp>
         </mc:Choice>
-        <mc:Fallback>
+        <mc:Fallback xmlns="">
           <p:sp>
             <p:nvSpPr>
               <p:cNvPr id="3" name="Content Placeholder 2"/>
@@ -6521,7 +7361,7 @@
             <p:spPr/>
             <p:txBody>
               <a:bodyPr>
-                <a:normAutofit fontScale="92500"/>
+                <a:normAutofit/>
               </a:bodyPr>
               <a:lstStyle/>
               <a:p>
@@ -6921,7 +7761,14 @@
                                     <a:latin typeface="Cambria Math" panose="02040503050406030204" pitchFamily="18" charset="0"/>
                                     <a:ea typeface="Cambria Math" panose="02040503050406030204" pitchFamily="18" charset="0"/>
                                   </a:rPr>
-                                  <m:t>0,125</m:t>
+                                  <m:t>0</m:t>
+                                </m:r>
+                                <m:r>
+                                  <a:rPr lang="en-ID" b="0" i="1" smtClean="0">
+                                    <a:latin typeface="Cambria Math" panose="02040503050406030204" pitchFamily="18" charset="0"/>
+                                    <a:ea typeface="Cambria Math" panose="02040503050406030204" pitchFamily="18" charset="0"/>
+                                  </a:rPr>
+                                  <m:t>,125</m:t>
                                 </m:r>
                               </m:e>
                             </m:mr>
@@ -7173,7 +8020,7 @@
               <a:blipFill rotWithShape="0">
                 <a:blip r:embed="rId2"/>
                 <a:stretch>
-                  <a:fillRect l="-754" t="-1681"/>
+                  <a:fillRect l="-1394" t="-1515"/>
                 </a:stretch>
               </a:blipFill>
             </p:spPr>
@@ -7252,8 +8099,8 @@
           </a:p>
         </p:txBody>
       </p:sp>
-      <mc:AlternateContent xmlns:mc="http://schemas.openxmlformats.org/markup-compatibility/2006">
-        <mc:Choice xmlns:a14="http://schemas.microsoft.com/office/drawing/2010/main" Requires="a14">
+      <mc:AlternateContent xmlns:mc="http://schemas.openxmlformats.org/markup-compatibility/2006" xmlns:a14="http://schemas.microsoft.com/office/drawing/2010/main">
+        <mc:Choice Requires="a14">
           <p:sp>
             <p:nvSpPr>
               <p:cNvPr id="3" name="Content Placeholder 2"/>
@@ -7839,7 +8686,14 @@
                                   <a:latin typeface="Cambria Math" panose="02040503050406030204" pitchFamily="18" charset="0"/>
                                   <a:ea typeface="Cambria Math" panose="02040503050406030204" pitchFamily="18" charset="0"/>
                                 </a:rPr>
-                                <m:t>0,389</m:t>
+                                <m:t>0</m:t>
+                              </m:r>
+                              <m:r>
+                                <a:rPr lang="en-ID" sz="2400" b="0" i="1" smtClean="0">
+                                  <a:latin typeface="Cambria Math" panose="02040503050406030204" pitchFamily="18" charset="0"/>
+                                  <a:ea typeface="Cambria Math" panose="02040503050406030204" pitchFamily="18" charset="0"/>
+                                </a:rPr>
+                                <m:t>,389</m:t>
                               </m:r>
                             </m:e>
                             <m:e>
@@ -8073,7 +8927,7 @@
             </p:txBody>
           </p:sp>
         </mc:Choice>
-        <mc:Fallback>
+        <mc:Fallback xmlns="">
           <p:sp>
             <p:nvSpPr>
               <p:cNvPr id="3" name="Content Placeholder 2"/>
@@ -8458,8 +9312,8 @@
           </a:p>
         </p:txBody>
       </p:sp>
-      <mc:AlternateContent xmlns:mc="http://schemas.openxmlformats.org/markup-compatibility/2006">
-        <mc:Choice xmlns:a14="http://schemas.microsoft.com/office/drawing/2010/main" Requires="a14">
+      <mc:AlternateContent xmlns:mc="http://schemas.openxmlformats.org/markup-compatibility/2006" xmlns:a14="http://schemas.microsoft.com/office/drawing/2010/main">
+        <mc:Choice Requires="a14">
           <p:sp>
             <p:nvSpPr>
               <p:cNvPr id="3" name="Content Placeholder 2"/>
@@ -8994,7 +9848,7 @@
             </p:txBody>
           </p:sp>
         </mc:Choice>
-        <mc:Fallback>
+        <mc:Fallback xmlns="">
           <p:sp>
             <p:nvSpPr>
               <p:cNvPr id="3" name="Content Placeholder 2"/>
@@ -9081,8 +9935,8 @@
           </a:p>
         </p:txBody>
       </p:sp>
-      <mc:AlternateContent xmlns:mc="http://schemas.openxmlformats.org/markup-compatibility/2006">
-        <mc:Choice xmlns:a14="http://schemas.microsoft.com/office/drawing/2010/main" Requires="a14">
+      <mc:AlternateContent xmlns:mc="http://schemas.openxmlformats.org/markup-compatibility/2006" xmlns:a14="http://schemas.microsoft.com/office/drawing/2010/main">
+        <mc:Choice Requires="a14">
           <p:sp>
             <p:nvSpPr>
               <p:cNvPr id="3" name="Content Placeholder 2"/>
@@ -9279,7 +10133,7 @@
             </p:txBody>
           </p:sp>
         </mc:Choice>
-        <mc:Fallback>
+        <mc:Fallback xmlns="">
           <p:sp>
             <p:nvSpPr>
               <p:cNvPr id="3" name="Content Placeholder 2"/>
@@ -9381,7 +10235,7 @@
             <p:spPr/>
             <p:txBody>
               <a:bodyPr>
-                <a:normAutofit lnSpcReduction="10000"/>
+                <a:normAutofit/>
               </a:bodyPr>
               <a:lstStyle/>
               <a:p>
@@ -10194,7 +11048,7 @@
               <a:blipFill rotWithShape="0">
                 <a:blip r:embed="rId2"/>
                 <a:stretch>
-                  <a:fillRect l="-1043" t="-3081"/>
+                  <a:fillRect l="-606" t="-1667"/>
                 </a:stretch>
               </a:blipFill>
             </p:spPr>
@@ -13072,47 +13926,47 @@
 </file>
 
 <file path=ppt/theme/theme1.xml><?xml version="1.0" encoding="utf-8"?>
-<a:theme xmlns:a="http://schemas.openxmlformats.org/drawingml/2006/main" name="Office Theme">
+<a:theme xmlns:a="http://schemas.openxmlformats.org/drawingml/2006/main" name="Retrospect">
   <a:themeElements>
-    <a:clrScheme name="Office">
+    <a:clrScheme name="Retrospect">
       <a:dk1>
-        <a:sysClr val="windowText" lastClr="000000"/>
+        <a:srgbClr val="000000"/>
       </a:dk1>
       <a:lt1>
         <a:sysClr val="window" lastClr="FFFFFF"/>
       </a:lt1>
       <a:dk2>
-        <a:srgbClr val="44546A"/>
+        <a:srgbClr val="637052"/>
       </a:dk2>
       <a:lt2>
-        <a:srgbClr val="E7E6E6"/>
+        <a:srgbClr val="CCDDEA"/>
       </a:lt2>
       <a:accent1>
-        <a:srgbClr val="5B9BD5"/>
+        <a:srgbClr val="E48312"/>
       </a:accent1>
       <a:accent2>
-        <a:srgbClr val="ED7D31"/>
+        <a:srgbClr val="BD582C"/>
       </a:accent2>
       <a:accent3>
-        <a:srgbClr val="A5A5A5"/>
+        <a:srgbClr val="865640"/>
       </a:accent3>
       <a:accent4>
-        <a:srgbClr val="FFC000"/>
+        <a:srgbClr val="9B8357"/>
       </a:accent4>
       <a:accent5>
-        <a:srgbClr val="4472C4"/>
+        <a:srgbClr val="C2BC80"/>
       </a:accent5>
       <a:accent6>
-        <a:srgbClr val="70AD47"/>
+        <a:srgbClr val="94A088"/>
       </a:accent6>
       <a:hlink>
-        <a:srgbClr val="0563C1"/>
+        <a:srgbClr val="2998E3"/>
       </a:hlink>
       <a:folHlink>
-        <a:srgbClr val="954F72"/>
+        <a:srgbClr val="8C8C8C"/>
       </a:folHlink>
     </a:clrScheme>
-    <a:fontScheme name="Office">
+    <a:fontScheme name="Retrospect">
       <a:majorFont>
         <a:latin typeface="Calibri Light" panose="020F0302020204030204"/>
         <a:ea typeface=""/>
@@ -13184,7 +14038,7 @@
         <a:font script="Geor" typeface="Sylfaen"/>
       </a:minorFont>
     </a:fontScheme>
-    <a:fmtScheme name="Office">
+    <a:fmtScheme name="Retrospect">
       <a:fillStyleLst>
         <a:solidFill>
           <a:schemeClr val="phClr"/>
@@ -13193,76 +14047,81 @@
           <a:gsLst>
             <a:gs pos="0">
               <a:schemeClr val="phClr">
-                <a:lumMod val="110000"/>
-                <a:satMod val="105000"/>
-                <a:tint val="67000"/>
+                <a:tint val="65000"/>
+                <a:shade val="92000"/>
+                <a:satMod val="130000"/>
               </a:schemeClr>
             </a:gs>
-            <a:gs pos="50000">
+            <a:gs pos="45000">
               <a:schemeClr val="phClr">
-                <a:lumMod val="105000"/>
-                <a:satMod val="103000"/>
-                <a:tint val="73000"/>
+                <a:tint val="60000"/>
+                <a:shade val="99000"/>
+                <a:satMod val="120000"/>
               </a:schemeClr>
             </a:gs>
             <a:gs pos="100000">
               <a:schemeClr val="phClr">
-                <a:lumMod val="105000"/>
-                <a:satMod val="109000"/>
-                <a:tint val="81000"/>
+                <a:tint val="55000"/>
+                <a:satMod val="140000"/>
               </a:schemeClr>
             </a:gs>
           </a:gsLst>
-          <a:lin ang="5400000" scaled="0"/>
+          <a:path path="circle">
+            <a:fillToRect l="100000" t="100000" r="100000" b="100000"/>
+          </a:path>
         </a:gradFill>
         <a:gradFill rotWithShape="1">
           <a:gsLst>
             <a:gs pos="0">
               <a:schemeClr val="phClr">
-                <a:satMod val="103000"/>
-                <a:lumMod val="102000"/>
-                <a:tint val="94000"/>
+                <a:shade val="85000"/>
+                <a:satMod val="130000"/>
               </a:schemeClr>
             </a:gs>
-            <a:gs pos="50000">
+            <a:gs pos="34000">
               <a:schemeClr val="phClr">
-                <a:satMod val="110000"/>
-                <a:lumMod val="100000"/>
-                <a:shade val="100000"/>
+                <a:shade val="87000"/>
+                <a:satMod val="125000"/>
+              </a:schemeClr>
+            </a:gs>
+            <a:gs pos="70000">
+              <a:schemeClr val="phClr">
+                <a:tint val="100000"/>
+                <a:shade val="90000"/>
+                <a:satMod val="130000"/>
               </a:schemeClr>
             </a:gs>
             <a:gs pos="100000">
               <a:schemeClr val="phClr">
-                <a:lumMod val="99000"/>
-                <a:satMod val="120000"/>
-                <a:shade val="78000"/>
+                <a:tint val="100000"/>
+                <a:shade val="100000"/>
+                <a:satMod val="110000"/>
               </a:schemeClr>
             </a:gs>
           </a:gsLst>
-          <a:lin ang="5400000" scaled="0"/>
+          <a:path path="circle">
+            <a:fillToRect l="100000" t="100000" r="100000" b="100000"/>
+          </a:path>
         </a:gradFill>
       </a:fillStyleLst>
       <a:lnStyleLst>
-        <a:ln w="6350" cap="flat" cmpd="sng" algn="ctr">
-          <a:solidFill>
-            <a:schemeClr val="phClr"/>
-          </a:solidFill>
-          <a:prstDash val="solid"/>
-          <a:miter lim="800000"/>
-        </a:ln>
         <a:ln w="12700" cap="flat" cmpd="sng" algn="ctr">
           <a:solidFill>
             <a:schemeClr val="phClr"/>
           </a:solidFill>
           <a:prstDash val="solid"/>
-          <a:miter lim="800000"/>
         </a:ln>
-        <a:ln w="19050" cap="flat" cmpd="sng" algn="ctr">
+        <a:ln w="15875" cap="flat" cmpd="sng" algn="ctr">
           <a:solidFill>
             <a:schemeClr val="phClr"/>
           </a:solidFill>
           <a:prstDash val="solid"/>
-          <a:miter lim="800000"/>
+        </a:ln>
+        <a:ln w="25400" cap="flat" cmpd="sng" algn="ctr">
+          <a:solidFill>
+            <a:schemeClr val="phClr"/>
+          </a:solidFill>
+          <a:prstDash val="solid"/>
         </a:ln>
       </a:lnStyleLst>
       <a:effectStyleLst>
@@ -13270,16 +14129,33 @@
           <a:effectLst/>
         </a:effectStyle>
         <a:effectStyle>
-          <a:effectLst/>
+          <a:effectLst>
+            <a:outerShdw blurRad="38100" dist="25400" dir="2700000" algn="br" rotWithShape="0">
+              <a:srgbClr val="000000">
+                <a:alpha val="60000"/>
+              </a:srgbClr>
+            </a:outerShdw>
+          </a:effectLst>
         </a:effectStyle>
         <a:effectStyle>
           <a:effectLst>
-            <a:outerShdw blurRad="57150" dist="19050" dir="5400000" algn="ctr" rotWithShape="0">
+            <a:outerShdw blurRad="44450" dist="25400" dir="2700000" algn="br" rotWithShape="0">
               <a:srgbClr val="000000">
-                <a:alpha val="63000"/>
+                <a:alpha val="60000"/>
               </a:srgbClr>
             </a:outerShdw>
           </a:effectLst>
+          <a:scene3d>
+            <a:camera prst="orthographicFront">
+              <a:rot lat="0" lon="0" rev="0"/>
+            </a:camera>
+            <a:lightRig rig="threePt" dir="t">
+              <a:rot lat="0" lon="0" rev="19800000"/>
+            </a:lightRig>
+          </a:scene3d>
+          <a:sp3d prstMaterial="flat">
+            <a:bevelT w="25400" h="31750"/>
+          </a:sp3d>
         </a:effectStyle>
       </a:effectStyleLst>
       <a:bgFillStyleLst>
@@ -13288,36 +14164,36 @@
         </a:solidFill>
         <a:solidFill>
           <a:schemeClr val="phClr">
-            <a:tint val="95000"/>
-            <a:satMod val="170000"/>
+            <a:tint val="90000"/>
+            <a:shade val="97000"/>
+            <a:satMod val="130000"/>
           </a:schemeClr>
         </a:solidFill>
         <a:gradFill rotWithShape="1">
           <a:gsLst>
             <a:gs pos="0">
               <a:schemeClr val="phClr">
-                <a:tint val="93000"/>
-                <a:satMod val="150000"/>
-                <a:shade val="98000"/>
-                <a:lumMod val="102000"/>
+                <a:tint val="96000"/>
+                <a:shade val="99000"/>
+                <a:satMod val="140000"/>
               </a:schemeClr>
             </a:gs>
-            <a:gs pos="50000">
+            <a:gs pos="65000">
               <a:schemeClr val="phClr">
-                <a:tint val="98000"/>
+                <a:tint val="100000"/>
+                <a:shade val="80000"/>
                 <a:satMod val="130000"/>
-                <a:shade val="90000"/>
-                <a:lumMod val="103000"/>
               </a:schemeClr>
             </a:gs>
             <a:gs pos="100000">
               <a:schemeClr val="phClr">
-                <a:shade val="63000"/>
+                <a:tint val="100000"/>
+                <a:shade val="48000"/>
                 <a:satMod val="120000"/>
               </a:schemeClr>
             </a:gs>
           </a:gsLst>
-          <a:lin ang="5400000" scaled="0"/>
+          <a:lin ang="16200000" scaled="0"/>
         </a:gradFill>
       </a:bgFillStyleLst>
     </a:fmtScheme>
@@ -13326,7 +14202,7 @@
   <a:extraClrSchemeLst/>
   <a:extLst>
     <a:ext uri="{05A4C25C-085E-4340-85A3-A5531E510DB2}">
-      <thm15:themeFamily xmlns:thm15="http://schemas.microsoft.com/office/thememl/2012/main" name="Office Theme" id="{62F939B6-93AF-4DB8-9C6B-D6C7DFDC589F}" vid="{4A3C46E8-61CC-4603-A589-7422A47A8E4A}"/>
+      <thm15:themeFamily xmlns:thm15="http://schemas.microsoft.com/office/thememl/2012/main" name="Retrospect" id="{5F128B03-DCCA-4EEB-AB3B-CF2899314A46}" vid="{3F1AAB62-24C6-49D2-8E01-B56FAC9A3DCD}"/>
     </a:ext>
   </a:extLst>
 </a:theme>
